--- a/generalforsamling/23V/Generalforsamling V2023.pptx
+++ b/generalforsamling/23V/Generalforsamling V2023.pptx
@@ -5,7 +5,7 @@
     <p:sldMasterId id="2147483659" r:id="rId1"/>
   </p:sldMasterIdLst>
   <p:notesMasterIdLst>
-    <p:notesMasterId r:id="rId41"/>
+    <p:notesMasterId r:id="rId42"/>
   </p:notesMasterIdLst>
   <p:sldIdLst>
     <p:sldId id="256" r:id="rId2"/>
@@ -28,44 +28,45 @@
     <p:sldId id="288" r:id="rId19"/>
     <p:sldId id="287" r:id="rId20"/>
     <p:sldId id="289" r:id="rId21"/>
-    <p:sldId id="290" r:id="rId22"/>
-    <p:sldId id="278" r:id="rId23"/>
-    <p:sldId id="303" r:id="rId24"/>
-    <p:sldId id="293" r:id="rId25"/>
-    <p:sldId id="294" r:id="rId26"/>
-    <p:sldId id="295" r:id="rId27"/>
-    <p:sldId id="296" r:id="rId28"/>
-    <p:sldId id="297" r:id="rId29"/>
-    <p:sldId id="298" r:id="rId30"/>
-    <p:sldId id="299" r:id="rId31"/>
-    <p:sldId id="300" r:id="rId32"/>
-    <p:sldId id="301" r:id="rId33"/>
-    <p:sldId id="279" r:id="rId34"/>
-    <p:sldId id="312" r:id="rId35"/>
-    <p:sldId id="313" r:id="rId36"/>
-    <p:sldId id="310" r:id="rId37"/>
-    <p:sldId id="284" r:id="rId38"/>
-    <p:sldId id="314" r:id="rId39"/>
-    <p:sldId id="285" r:id="rId40"/>
+    <p:sldId id="315" r:id="rId22"/>
+    <p:sldId id="290" r:id="rId23"/>
+    <p:sldId id="278" r:id="rId24"/>
+    <p:sldId id="303" r:id="rId25"/>
+    <p:sldId id="293" r:id="rId26"/>
+    <p:sldId id="294" r:id="rId27"/>
+    <p:sldId id="295" r:id="rId28"/>
+    <p:sldId id="296" r:id="rId29"/>
+    <p:sldId id="297" r:id="rId30"/>
+    <p:sldId id="298" r:id="rId31"/>
+    <p:sldId id="299" r:id="rId32"/>
+    <p:sldId id="300" r:id="rId33"/>
+    <p:sldId id="301" r:id="rId34"/>
+    <p:sldId id="279" r:id="rId35"/>
+    <p:sldId id="312" r:id="rId36"/>
+    <p:sldId id="313" r:id="rId37"/>
+    <p:sldId id="310" r:id="rId38"/>
+    <p:sldId id="284" r:id="rId39"/>
+    <p:sldId id="314" r:id="rId40"/>
+    <p:sldId id="285" r:id="rId41"/>
   </p:sldIdLst>
   <p:sldSz cx="9144000" cy="5143500" type="screen16x9"/>
   <p:notesSz cx="6858000" cy="9144000"/>
   <p:embeddedFontLst>
     <p:embeddedFont>
       <p:font typeface="Average" panose="020B0604020202020204" charset="0"/>
-      <p:regular r:id="rId42"/>
+      <p:regular r:id="rId43"/>
     </p:embeddedFont>
     <p:embeddedFont>
       <p:font typeface="Oswald" panose="00000500000000000000" pitchFamily="2" charset="0"/>
-      <p:regular r:id="rId43"/>
-      <p:bold r:id="rId44"/>
+      <p:regular r:id="rId44"/>
+      <p:bold r:id="rId45"/>
     </p:embeddedFont>
     <p:embeddedFont>
       <p:font typeface="Roboto" panose="02000000000000000000" pitchFamily="2" charset="0"/>
-      <p:regular r:id="rId45"/>
-      <p:bold r:id="rId46"/>
-      <p:italic r:id="rId47"/>
-      <p:boldItalic r:id="rId48"/>
+      <p:regular r:id="rId46"/>
+      <p:bold r:id="rId47"/>
+      <p:italic r:id="rId48"/>
+      <p:boldItalic r:id="rId49"/>
     </p:embeddedFont>
   </p:embeddedFontLst>
   <p:defaultTextStyle>
@@ -336,10 +337,55 @@
   <pc:docChgLst>
     <pc:chgData name="Peter Hjelle Petersen-Øverleir" userId="75e6a86c-2ff7-48bd-a545-c00c7cd58f36" providerId="ADAL" clId="{B1034DF2-4A9E-41D4-A465-7720ECEE0388}"/>
     <pc:docChg chg="undo redo custSel addSld delSld modSld sldOrd">
-      <pc:chgData name="Peter Hjelle Petersen-Øverleir" userId="75e6a86c-2ff7-48bd-a545-c00c7cd58f36" providerId="ADAL" clId="{B1034DF2-4A9E-41D4-A465-7720ECEE0388}" dt="2023-05-02T13:28:25.746" v="90" actId="20577"/>
+      <pc:chgData name="Peter Hjelle Petersen-Øverleir" userId="75e6a86c-2ff7-48bd-a545-c00c7cd58f36" providerId="ADAL" clId="{B1034DF2-4A9E-41D4-A465-7720ECEE0388}" dt="2023-05-03T08:34:22.061" v="152" actId="122"/>
       <pc:docMkLst>
         <pc:docMk/>
       </pc:docMkLst>
+      <pc:sldChg chg="modSp mod">
+        <pc:chgData name="Peter Hjelle Petersen-Øverleir" userId="75e6a86c-2ff7-48bd-a545-c00c7cd58f36" providerId="ADAL" clId="{B1034DF2-4A9E-41D4-A465-7720ECEE0388}" dt="2023-05-03T08:34:22.061" v="152" actId="122"/>
+        <pc:sldMkLst>
+          <pc:docMk/>
+          <pc:sldMk cId="0" sldId="284"/>
+        </pc:sldMkLst>
+        <pc:spChg chg="mod">
+          <ac:chgData name="Peter Hjelle Petersen-Øverleir" userId="75e6a86c-2ff7-48bd-a545-c00c7cd58f36" providerId="ADAL" clId="{B1034DF2-4A9E-41D4-A465-7720ECEE0388}" dt="2023-05-03T08:34:22.061" v="152" actId="122"/>
+          <ac:spMkLst>
+            <pc:docMk/>
+            <pc:sldMk cId="0" sldId="284"/>
+            <ac:spMk id="219" creationId="{00000000-0000-0000-0000-000000000000}"/>
+          </ac:spMkLst>
+        </pc:spChg>
+      </pc:sldChg>
+      <pc:sldChg chg="modSp mod">
+        <pc:chgData name="Peter Hjelle Petersen-Øverleir" userId="75e6a86c-2ff7-48bd-a545-c00c7cd58f36" providerId="ADAL" clId="{B1034DF2-4A9E-41D4-A465-7720ECEE0388}" dt="2023-05-03T08:33:08.653" v="132" actId="313"/>
+        <pc:sldMkLst>
+          <pc:docMk/>
+          <pc:sldMk cId="2540969315" sldId="302"/>
+        </pc:sldMkLst>
+        <pc:spChg chg="mod">
+          <ac:chgData name="Peter Hjelle Petersen-Øverleir" userId="75e6a86c-2ff7-48bd-a545-c00c7cd58f36" providerId="ADAL" clId="{B1034DF2-4A9E-41D4-A465-7720ECEE0388}" dt="2023-05-03T08:33:08.653" v="132" actId="313"/>
+          <ac:spMkLst>
+            <pc:docMk/>
+            <pc:sldMk cId="2540969315" sldId="302"/>
+            <ac:spMk id="3" creationId="{607D9802-3099-4460-BB6A-5B52CC2D2A83}"/>
+          </ac:spMkLst>
+        </pc:spChg>
+      </pc:sldChg>
+      <pc:sldChg chg="modSp mod">
+        <pc:chgData name="Peter Hjelle Petersen-Øverleir" userId="75e6a86c-2ff7-48bd-a545-c00c7cd58f36" providerId="ADAL" clId="{B1034DF2-4A9E-41D4-A465-7720ECEE0388}" dt="2023-05-03T08:32:40.743" v="94"/>
+        <pc:sldMkLst>
+          <pc:docMk/>
+          <pc:sldMk cId="3086758528" sldId="309"/>
+        </pc:sldMkLst>
+        <pc:spChg chg="mod">
+          <ac:chgData name="Peter Hjelle Petersen-Øverleir" userId="75e6a86c-2ff7-48bd-a545-c00c7cd58f36" providerId="ADAL" clId="{B1034DF2-4A9E-41D4-A465-7720ECEE0388}" dt="2023-05-03T08:32:40.743" v="94"/>
+          <ac:spMkLst>
+            <pc:docMk/>
+            <pc:sldMk cId="3086758528" sldId="309"/>
+            <ac:spMk id="179" creationId="{00000000-0000-0000-0000-000000000000}"/>
+          </ac:spMkLst>
+        </pc:spChg>
+      </pc:sldChg>
       <pc:sldChg chg="modSp mod ord">
         <pc:chgData name="Peter Hjelle Petersen-Øverleir" userId="75e6a86c-2ff7-48bd-a545-c00c7cd58f36" providerId="ADAL" clId="{B1034DF2-4A9E-41D4-A465-7720ECEE0388}" dt="2023-05-02T13:14:40.589" v="75"/>
         <pc:sldMkLst>
@@ -428,6 +474,21 @@
             <pc:docMk/>
             <pc:sldMk cId="624578113" sldId="314"/>
             <ac:spMk id="219" creationId="{00000000-0000-0000-0000-000000000000}"/>
+          </ac:spMkLst>
+        </pc:spChg>
+      </pc:sldChg>
+      <pc:sldChg chg="modSp new mod">
+        <pc:chgData name="Peter Hjelle Petersen-Øverleir" userId="75e6a86c-2ff7-48bd-a545-c00c7cd58f36" providerId="ADAL" clId="{B1034DF2-4A9E-41D4-A465-7720ECEE0388}" dt="2023-05-03T08:33:20.581" v="151" actId="20577"/>
+        <pc:sldMkLst>
+          <pc:docMk/>
+          <pc:sldMk cId="3493057294" sldId="315"/>
+        </pc:sldMkLst>
+        <pc:spChg chg="mod">
+          <ac:chgData name="Peter Hjelle Petersen-Øverleir" userId="75e6a86c-2ff7-48bd-a545-c00c7cd58f36" providerId="ADAL" clId="{B1034DF2-4A9E-41D4-A465-7720ECEE0388}" dt="2023-05-03T08:33:20.581" v="151" actId="20577"/>
+          <ac:spMkLst>
+            <pc:docMk/>
+            <pc:sldMk cId="3493057294" sldId="315"/>
+            <ac:spMk id="2" creationId="{FC4833E2-23F8-4FAA-9F7A-9A9A023A3212}"/>
           </ac:spMkLst>
         </pc:spChg>
       </pc:sldChg>
@@ -12923,7 +12984,7 @@
                   <a:schemeClr val="tx1"/>
                 </a:solidFill>
               </a:rPr>
-              <a:t>Rekrutteringsansvarlig</a:t>
+              <a:t>Økonomiansvarlig</a:t>
             </a:r>
           </a:p>
           <a:p>
@@ -12946,8 +13007,28 @@
                   <a:schemeClr val="tx1"/>
                 </a:solidFill>
               </a:rPr>
-              <a:t>Økonomiansvarlig</a:t>
-            </a:r>
+              <a:t>Rekrutteringsansvarlig</a:t>
+            </a:r>
+          </a:p>
+          <a:p>
+            <a:pPr marL="114300" lvl="0" indent="0" algn="l" rtl="0">
+              <a:lnSpc>
+                <a:spcPct val="150000"/>
+              </a:lnSpc>
+              <a:spcBef>
+                <a:spcPts val="0"/>
+              </a:spcBef>
+              <a:spcAft>
+                <a:spcPts val="0"/>
+              </a:spcAft>
+              <a:buSzPts val="1800"/>
+              <a:buNone/>
+            </a:pPr>
+            <a:endParaRPr lang="nb-NO" dirty="0">
+              <a:solidFill>
+                <a:schemeClr val="tx1"/>
+              </a:solidFill>
+            </a:endParaRPr>
           </a:p>
           <a:p>
             <a:pPr marL="457200" lvl="0" indent="-342900" algn="l" rtl="0">
@@ -13055,7 +13136,7 @@
               </a:spcAft>
             </a:pPr>
             <a:r>
-              <a:rPr lang="nb-NO"/>
+              <a:rPr lang="nb-NO" dirty="0"/>
               <a:t>Delta på HS møter regelmessig</a:t>
             </a:r>
           </a:p>
@@ -13069,7 +13150,7 @@
               </a:spcAft>
             </a:pPr>
             <a:r>
-              <a:rPr lang="nb-NO"/>
+              <a:rPr lang="nb-NO" dirty="0"/>
               <a:t>Ha ansvar for noen kosetirsdager i semesteret</a:t>
             </a:r>
           </a:p>
@@ -13083,7 +13164,7 @@
               </a:spcAft>
             </a:pPr>
             <a:r>
-              <a:rPr lang="nb-NO"/>
+              <a:rPr lang="nb-NO" dirty="0"/>
               <a:t>Si ifra til leder eller internansvarlig om du er overarbeidet og/eller trenger hjelp til å gjennomføre arbeidsoppgavene</a:t>
             </a:r>
           </a:p>
@@ -13097,18 +13178,32 @@
               </a:spcAft>
             </a:pPr>
             <a:r>
-              <a:rPr lang="nb-NO"/>
+              <a:rPr lang="nb-NO" dirty="0"/>
               <a:t>Gjøre deg kjent med og følge de Etiske retningslinjer for foreningsstyremedlemmer</a:t>
             </a:r>
           </a:p>
           <a:p>
+            <a:pPr>
+              <a:lnSpc>
+                <a:spcPct val="150000"/>
+              </a:lnSpc>
+              <a:spcAft>
+                <a:spcPts val="500"/>
+              </a:spcAft>
+            </a:pPr>
+            <a:r>
+              <a:rPr lang="nb-NO" dirty="0"/>
+              <a:t>OBS!! Blir valgt inn for 2 semestre</a:t>
+            </a:r>
+          </a:p>
+          <a:p>
             <a:pPr marL="114300" indent="0">
               <a:lnSpc>
                 <a:spcPct val="114999"/>
               </a:lnSpc>
               <a:buNone/>
             </a:pPr>
-            <a:endParaRPr lang="nb-NO"/>
+            <a:endParaRPr lang="nb-NO" dirty="0"/>
           </a:p>
         </p:txBody>
       </p:sp>
@@ -13551,6 +13646,89 @@
       </p:grpSpPr>
       <p:sp>
         <p:nvSpPr>
+          <p:cNvPr id="2" name="Title 1">
+            <a:extLst>
+              <a:ext uri="{FF2B5EF4-FFF2-40B4-BE49-F238E27FC236}">
+                <a16:creationId xmlns:a16="http://schemas.microsoft.com/office/drawing/2014/main" id="{FC4833E2-23F8-4FAA-9F7A-9A9A023A3212}"/>
+              </a:ext>
+            </a:extLst>
+          </p:cNvPr>
+          <p:cNvSpPr>
+            <a:spLocks noGrp="1"/>
+          </p:cNvSpPr>
+          <p:nvPr>
+            <p:ph type="title"/>
+          </p:nvPr>
+        </p:nvSpPr>
+        <p:spPr/>
+        <p:txBody>
+          <a:bodyPr/>
+          <a:lstStyle/>
+          <a:p>
+            <a:r>
+              <a:rPr lang="nb-NO" dirty="0"/>
+              <a:t>Økonomiansvarlig</a:t>
+            </a:r>
+          </a:p>
+        </p:txBody>
+      </p:sp>
+      <p:sp>
+        <p:nvSpPr>
+          <p:cNvPr id="3" name="Text Placeholder 2">
+            <a:extLst>
+              <a:ext uri="{FF2B5EF4-FFF2-40B4-BE49-F238E27FC236}">
+                <a16:creationId xmlns:a16="http://schemas.microsoft.com/office/drawing/2014/main" id="{94A3FA79-53A0-AD04-C7EA-185D88FB8F3C}"/>
+              </a:ext>
+            </a:extLst>
+          </p:cNvPr>
+          <p:cNvSpPr>
+            <a:spLocks noGrp="1"/>
+          </p:cNvSpPr>
+          <p:nvPr>
+            <p:ph type="body" idx="1"/>
+          </p:nvPr>
+        </p:nvSpPr>
+        <p:spPr/>
+        <p:txBody>
+          <a:bodyPr/>
+          <a:lstStyle/>
+          <a:p>
+            <a:endParaRPr lang="nb-NO" dirty="0"/>
+          </a:p>
+        </p:txBody>
+      </p:sp>
+    </p:spTree>
+    <p:extLst>
+      <p:ext uri="{BB962C8B-B14F-4D97-AF65-F5344CB8AC3E}">
+        <p14:creationId xmlns:p14="http://schemas.microsoft.com/office/powerpoint/2010/main" val="3493057294"/>
+      </p:ext>
+    </p:extLst>
+  </p:cSld>
+  <p:clrMapOvr>
+    <a:masterClrMapping/>
+  </p:clrMapOvr>
+</p:sld>
+</file>
+
+<file path=ppt/slides/slide22.xml><?xml version="1.0" encoding="utf-8"?>
+<p:sld xmlns:a="http://schemas.openxmlformats.org/drawingml/2006/main" xmlns:r="http://schemas.openxmlformats.org/officeDocument/2006/relationships" xmlns:p="http://schemas.openxmlformats.org/presentationml/2006/main">
+  <p:cSld>
+    <p:spTree>
+      <p:nvGrpSpPr>
+        <p:cNvPr id="1" name=""/>
+        <p:cNvGrpSpPr/>
+        <p:nvPr/>
+      </p:nvGrpSpPr>
+      <p:grpSpPr>
+        <a:xfrm>
+          <a:off x="0" y="0"/>
+          <a:ext cx="0" cy="0"/>
+          <a:chOff x="0" y="0"/>
+          <a:chExt cx="0" cy="0"/>
+        </a:xfrm>
+      </p:grpSpPr>
+      <p:sp>
+        <p:nvSpPr>
           <p:cNvPr id="2" name="Tittel 1">
             <a:extLst>
               <a:ext uri="{FF2B5EF4-FFF2-40B4-BE49-F238E27FC236}">
@@ -13687,7 +13865,7 @@
 </p:sld>
 </file>
 
-<file path=ppt/slides/slide22.xml><?xml version="1.0" encoding="utf-8"?>
+<file path=ppt/slides/slide23.xml><?xml version="1.0" encoding="utf-8"?>
 <p:sld xmlns:a="http://schemas.openxmlformats.org/drawingml/2006/main" xmlns:r="http://schemas.openxmlformats.org/officeDocument/2006/relationships" xmlns:p="http://schemas.openxmlformats.org/presentationml/2006/main">
   <p:cSld>
     <p:spTree>
@@ -13935,7 +14113,7 @@
 </p:sld>
 </file>
 
-<file path=ppt/slides/slide23.xml><?xml version="1.0" encoding="utf-8"?>
+<file path=ppt/slides/slide24.xml><?xml version="1.0" encoding="utf-8"?>
 <p:sld xmlns:a="http://schemas.openxmlformats.org/drawingml/2006/main" xmlns:r="http://schemas.openxmlformats.org/officeDocument/2006/relationships" xmlns:p="http://schemas.openxmlformats.org/presentationml/2006/main">
   <p:cSld>
     <p:spTree>
@@ -14070,7 +14248,7 @@
 </p:sld>
 </file>
 
-<file path=ppt/slides/slide24.xml><?xml version="1.0" encoding="utf-8"?>
+<file path=ppt/slides/slide25.xml><?xml version="1.0" encoding="utf-8"?>
 <p:sld xmlns:a="http://schemas.openxmlformats.org/drawingml/2006/main" xmlns:r="http://schemas.openxmlformats.org/officeDocument/2006/relationships" xmlns:p="http://schemas.openxmlformats.org/presentationml/2006/main">
   <p:cSld>
     <p:spTree>
@@ -14230,7 +14408,7 @@
 </p:sld>
 </file>
 
-<file path=ppt/slides/slide25.xml><?xml version="1.0" encoding="utf-8"?>
+<file path=ppt/slides/slide26.xml><?xml version="1.0" encoding="utf-8"?>
 <p:sld xmlns:a="http://schemas.openxmlformats.org/drawingml/2006/main" xmlns:r="http://schemas.openxmlformats.org/officeDocument/2006/relationships" xmlns:p="http://schemas.openxmlformats.org/presentationml/2006/main">
   <p:cSld>
     <p:spTree>
@@ -14418,7 +14596,7 @@
 </p:sld>
 </file>
 
-<file path=ppt/slides/slide26.xml><?xml version="1.0" encoding="utf-8"?>
+<file path=ppt/slides/slide27.xml><?xml version="1.0" encoding="utf-8"?>
 <p:sld xmlns:a="http://schemas.openxmlformats.org/drawingml/2006/main" xmlns:r="http://schemas.openxmlformats.org/officeDocument/2006/relationships" xmlns:p="http://schemas.openxmlformats.org/presentationml/2006/main">
   <p:cSld>
     <p:spTree>
@@ -14614,7 +14792,7 @@
 </p:sld>
 </file>
 
-<file path=ppt/slides/slide27.xml><?xml version="1.0" encoding="utf-8"?>
+<file path=ppt/slides/slide28.xml><?xml version="1.0" encoding="utf-8"?>
 <p:sld xmlns:a="http://schemas.openxmlformats.org/drawingml/2006/main" xmlns:r="http://schemas.openxmlformats.org/officeDocument/2006/relationships" xmlns:p="http://schemas.openxmlformats.org/presentationml/2006/main" show="0">
   <p:cSld>
     <p:spTree>
@@ -14782,7 +14960,7 @@
 </p:sld>
 </file>
 
-<file path=ppt/slides/slide28.xml><?xml version="1.0" encoding="utf-8"?>
+<file path=ppt/slides/slide29.xml><?xml version="1.0" encoding="utf-8"?>
 <p:sld xmlns:a="http://schemas.openxmlformats.org/drawingml/2006/main" xmlns:r="http://schemas.openxmlformats.org/officeDocument/2006/relationships" xmlns:p="http://schemas.openxmlformats.org/presentationml/2006/main">
   <p:cSld>
     <p:spTree>
@@ -15001,241 +15179,6 @@
     <p:extLst>
       <p:ext uri="{BB962C8B-B14F-4D97-AF65-F5344CB8AC3E}">
         <p14:creationId xmlns:p14="http://schemas.microsoft.com/office/powerpoint/2010/main" val="1745298555"/>
-      </p:ext>
-    </p:extLst>
-  </p:cSld>
-  <p:clrMapOvr>
-    <a:masterClrMapping/>
-  </p:clrMapOvr>
-</p:sld>
-</file>
-
-<file path=ppt/slides/slide29.xml><?xml version="1.0" encoding="utf-8"?>
-<p:sld xmlns:a="http://schemas.openxmlformats.org/drawingml/2006/main" xmlns:r="http://schemas.openxmlformats.org/officeDocument/2006/relationships" xmlns:p="http://schemas.openxmlformats.org/presentationml/2006/main">
-  <p:cSld>
-    <p:spTree>
-      <p:nvGrpSpPr>
-        <p:cNvPr id="1" name=""/>
-        <p:cNvGrpSpPr/>
-        <p:nvPr/>
-      </p:nvGrpSpPr>
-      <p:grpSpPr>
-        <a:xfrm>
-          <a:off x="0" y="0"/>
-          <a:ext cx="0" cy="0"/>
-          <a:chOff x="0" y="0"/>
-          <a:chExt cx="0" cy="0"/>
-        </a:xfrm>
-      </p:grpSpPr>
-      <p:sp>
-        <p:nvSpPr>
-          <p:cNvPr id="2" name="Tittel 1">
-            <a:extLst>
-              <a:ext uri="{FF2B5EF4-FFF2-40B4-BE49-F238E27FC236}">
-                <a16:creationId xmlns:a16="http://schemas.microsoft.com/office/drawing/2014/main" id="{1396CE55-E954-44F8-A683-F219EEF46974}"/>
-              </a:ext>
-            </a:extLst>
-          </p:cNvPr>
-          <p:cNvSpPr>
-            <a:spLocks noGrp="1"/>
-          </p:cNvSpPr>
-          <p:nvPr>
-            <p:ph type="title"/>
-          </p:nvPr>
-        </p:nvSpPr>
-        <p:spPr/>
-        <p:txBody>
-          <a:bodyPr/>
-          <a:lstStyle/>
-          <a:p>
-            <a:r>
-              <a:rPr lang="nb-NO"/>
-              <a:t>Teknisk sjef</a:t>
-            </a:r>
-          </a:p>
-        </p:txBody>
-      </p:sp>
-      <p:sp>
-        <p:nvSpPr>
-          <p:cNvPr id="3" name="Plassholder for tekst 2">
-            <a:extLst>
-              <a:ext uri="{FF2B5EF4-FFF2-40B4-BE49-F238E27FC236}">
-                <a16:creationId xmlns:a16="http://schemas.microsoft.com/office/drawing/2014/main" id="{52B122C9-6373-48E7-B863-900D05B49939}"/>
-              </a:ext>
-            </a:extLst>
-          </p:cNvPr>
-          <p:cNvSpPr>
-            <a:spLocks noGrp="1"/>
-          </p:cNvSpPr>
-          <p:nvPr>
-            <p:ph type="body" idx="1"/>
-          </p:nvPr>
-        </p:nvSpPr>
-        <p:spPr/>
-        <p:txBody>
-          <a:bodyPr/>
-          <a:lstStyle/>
-          <a:p>
-            <a:r>
-              <a:rPr lang="nb-NO" dirty="0"/>
-              <a:t>Kjellerstyremedlem</a:t>
-            </a:r>
-          </a:p>
-          <a:p>
-            <a:pPr>
-              <a:lnSpc>
-                <a:spcPct val="114999"/>
-              </a:lnSpc>
-            </a:pPr>
-            <a:r>
-              <a:rPr lang="nb-NO" dirty="0"/>
-              <a:t>Kontakte eiendomsavdelingen eller relevant reparatør hvis noe i </a:t>
-            </a:r>
-            <a:r>
-              <a:rPr lang="nb-NO" dirty="0" err="1"/>
-              <a:t>escape</a:t>
-            </a:r>
-            <a:r>
-              <a:rPr lang="nb-NO" dirty="0"/>
-              <a:t> er ødelagt. Eventuelt fikse selv (</a:t>
-            </a:r>
-            <a:r>
-              <a:rPr lang="nb-NO" dirty="0" err="1"/>
-              <a:t>f.eks</a:t>
-            </a:r>
-            <a:r>
-              <a:rPr lang="nb-NO" dirty="0"/>
-              <a:t> tappeanlegg)</a:t>
-            </a:r>
-          </a:p>
-          <a:p>
-            <a:pPr>
-              <a:lnSpc>
-                <a:spcPct val="114999"/>
-              </a:lnSpc>
-            </a:pPr>
-            <a:r>
-              <a:rPr lang="nb-NO" dirty="0"/>
-              <a:t>Kjøpe inn </a:t>
-            </a:r>
-            <a:r>
-              <a:rPr lang="nb-NO" dirty="0" err="1"/>
-              <a:t>gaffa</a:t>
-            </a:r>
-            <a:endParaRPr lang="nb-NO" dirty="0"/>
-          </a:p>
-          <a:p>
-            <a:pPr>
-              <a:lnSpc>
-                <a:spcPct val="114999"/>
-              </a:lnSpc>
-            </a:pPr>
-            <a:r>
-              <a:rPr lang="nb-NO" dirty="0"/>
-              <a:t>Rydde skapet i </a:t>
-            </a:r>
-            <a:r>
-              <a:rPr lang="nb-NO" dirty="0" err="1"/>
-              <a:t>dj</a:t>
-            </a:r>
-            <a:r>
-              <a:rPr lang="nb-NO" dirty="0"/>
-              <a:t> bua</a:t>
-            </a:r>
-          </a:p>
-          <a:p>
-            <a:pPr>
-              <a:lnSpc>
-                <a:spcPct val="114999"/>
-              </a:lnSpc>
-            </a:pPr>
-            <a:r>
-              <a:rPr lang="nb-NO" dirty="0"/>
-              <a:t>Skrape </a:t>
-            </a:r>
-            <a:r>
-              <a:rPr lang="nb-NO" dirty="0" err="1"/>
-              <a:t>tyggis</a:t>
-            </a:r>
-            <a:r>
-              <a:rPr lang="nb-NO" dirty="0"/>
-              <a:t> av bordene (ikke veldig relevant)</a:t>
-            </a:r>
-          </a:p>
-          <a:p>
-            <a:pPr>
-              <a:lnSpc>
-                <a:spcPct val="114999"/>
-              </a:lnSpc>
-            </a:pPr>
-            <a:r>
-              <a:rPr lang="nb-NO" dirty="0"/>
-              <a:t>Hente flaskepost i </a:t>
-            </a:r>
-            <a:r>
-              <a:rPr lang="nb-NO" dirty="0" err="1"/>
-              <a:t>ifi</a:t>
-            </a:r>
-            <a:r>
-              <a:rPr lang="nb-NO" dirty="0"/>
-              <a:t>-dammen</a:t>
-            </a:r>
-          </a:p>
-          <a:p>
-            <a:pPr>
-              <a:lnSpc>
-                <a:spcPct val="114999"/>
-              </a:lnSpc>
-            </a:pPr>
-            <a:r>
-              <a:rPr lang="nb-NO" dirty="0"/>
-              <a:t>Gjøre deg kjent med det tekniske utstyret (still spørsmål i #teknisk på </a:t>
-            </a:r>
-            <a:r>
-              <a:rPr lang="nb-NO" dirty="0" err="1"/>
-              <a:t>slack</a:t>
-            </a:r>
-            <a:r>
-              <a:rPr lang="nb-NO" dirty="0"/>
-              <a:t>)</a:t>
-            </a:r>
-          </a:p>
-          <a:p>
-            <a:pPr>
-              <a:lnSpc>
-                <a:spcPct val="114999"/>
-              </a:lnSpc>
-            </a:pPr>
-            <a:r>
-              <a:rPr lang="nb-NO" dirty="0"/>
-              <a:t>Sjekk alt utstyr i </a:t>
-            </a:r>
-            <a:r>
-              <a:rPr lang="nb-NO" dirty="0" err="1"/>
-              <a:t>escape</a:t>
-            </a:r>
-            <a:r>
-              <a:rPr lang="nb-NO" dirty="0"/>
-              <a:t> (lys, bord, etc.) for feil eller mangler i blant</a:t>
-            </a:r>
-          </a:p>
-          <a:p>
-            <a:pPr>
-              <a:lnSpc>
-                <a:spcPct val="114999"/>
-              </a:lnSpc>
-            </a:pPr>
-            <a:r>
-              <a:rPr lang="nb-NO" dirty="0"/>
-              <a:t>Komme med forslag til forbedringer i Escape</a:t>
-            </a:r>
-          </a:p>
-        </p:txBody>
-      </p:sp>
-    </p:spTree>
-    <p:extLst>
-      <p:ext uri="{BB962C8B-B14F-4D97-AF65-F5344CB8AC3E}">
-        <p14:creationId xmlns:p14="http://schemas.microsoft.com/office/powerpoint/2010/main" val="1620576335"/>
       </p:ext>
     </p:extLst>
   </p:cSld>
@@ -15349,6 +15292,241 @@
           <p:cNvPr id="2" name="Tittel 1">
             <a:extLst>
               <a:ext uri="{FF2B5EF4-FFF2-40B4-BE49-F238E27FC236}">
+                <a16:creationId xmlns:a16="http://schemas.microsoft.com/office/drawing/2014/main" id="{1396CE55-E954-44F8-A683-F219EEF46974}"/>
+              </a:ext>
+            </a:extLst>
+          </p:cNvPr>
+          <p:cNvSpPr>
+            <a:spLocks noGrp="1"/>
+          </p:cNvSpPr>
+          <p:nvPr>
+            <p:ph type="title"/>
+          </p:nvPr>
+        </p:nvSpPr>
+        <p:spPr/>
+        <p:txBody>
+          <a:bodyPr/>
+          <a:lstStyle/>
+          <a:p>
+            <a:r>
+              <a:rPr lang="nb-NO"/>
+              <a:t>Teknisk sjef</a:t>
+            </a:r>
+          </a:p>
+        </p:txBody>
+      </p:sp>
+      <p:sp>
+        <p:nvSpPr>
+          <p:cNvPr id="3" name="Plassholder for tekst 2">
+            <a:extLst>
+              <a:ext uri="{FF2B5EF4-FFF2-40B4-BE49-F238E27FC236}">
+                <a16:creationId xmlns:a16="http://schemas.microsoft.com/office/drawing/2014/main" id="{52B122C9-6373-48E7-B863-900D05B49939}"/>
+              </a:ext>
+            </a:extLst>
+          </p:cNvPr>
+          <p:cNvSpPr>
+            <a:spLocks noGrp="1"/>
+          </p:cNvSpPr>
+          <p:nvPr>
+            <p:ph type="body" idx="1"/>
+          </p:nvPr>
+        </p:nvSpPr>
+        <p:spPr/>
+        <p:txBody>
+          <a:bodyPr/>
+          <a:lstStyle/>
+          <a:p>
+            <a:r>
+              <a:rPr lang="nb-NO" dirty="0"/>
+              <a:t>Kjellerstyremedlem</a:t>
+            </a:r>
+          </a:p>
+          <a:p>
+            <a:pPr>
+              <a:lnSpc>
+                <a:spcPct val="114999"/>
+              </a:lnSpc>
+            </a:pPr>
+            <a:r>
+              <a:rPr lang="nb-NO" dirty="0"/>
+              <a:t>Kontakte eiendomsavdelingen eller relevant reparatør hvis noe i </a:t>
+            </a:r>
+            <a:r>
+              <a:rPr lang="nb-NO" dirty="0" err="1"/>
+              <a:t>escape</a:t>
+            </a:r>
+            <a:r>
+              <a:rPr lang="nb-NO" dirty="0"/>
+              <a:t> er ødelagt. Eventuelt fikse selv (</a:t>
+            </a:r>
+            <a:r>
+              <a:rPr lang="nb-NO" dirty="0" err="1"/>
+              <a:t>f.eks</a:t>
+            </a:r>
+            <a:r>
+              <a:rPr lang="nb-NO" dirty="0"/>
+              <a:t> tappeanlegg)</a:t>
+            </a:r>
+          </a:p>
+          <a:p>
+            <a:pPr>
+              <a:lnSpc>
+                <a:spcPct val="114999"/>
+              </a:lnSpc>
+            </a:pPr>
+            <a:r>
+              <a:rPr lang="nb-NO" dirty="0"/>
+              <a:t>Kjøpe inn </a:t>
+            </a:r>
+            <a:r>
+              <a:rPr lang="nb-NO" dirty="0" err="1"/>
+              <a:t>gaffa</a:t>
+            </a:r>
+            <a:endParaRPr lang="nb-NO" dirty="0"/>
+          </a:p>
+          <a:p>
+            <a:pPr>
+              <a:lnSpc>
+                <a:spcPct val="114999"/>
+              </a:lnSpc>
+            </a:pPr>
+            <a:r>
+              <a:rPr lang="nb-NO" dirty="0"/>
+              <a:t>Rydde skapet i </a:t>
+            </a:r>
+            <a:r>
+              <a:rPr lang="nb-NO" dirty="0" err="1"/>
+              <a:t>dj</a:t>
+            </a:r>
+            <a:r>
+              <a:rPr lang="nb-NO" dirty="0"/>
+              <a:t> bua</a:t>
+            </a:r>
+          </a:p>
+          <a:p>
+            <a:pPr>
+              <a:lnSpc>
+                <a:spcPct val="114999"/>
+              </a:lnSpc>
+            </a:pPr>
+            <a:r>
+              <a:rPr lang="nb-NO" dirty="0"/>
+              <a:t>Skrape </a:t>
+            </a:r>
+            <a:r>
+              <a:rPr lang="nb-NO" dirty="0" err="1"/>
+              <a:t>tyggis</a:t>
+            </a:r>
+            <a:r>
+              <a:rPr lang="nb-NO" dirty="0"/>
+              <a:t> av bordene (ikke veldig relevant)</a:t>
+            </a:r>
+          </a:p>
+          <a:p>
+            <a:pPr>
+              <a:lnSpc>
+                <a:spcPct val="114999"/>
+              </a:lnSpc>
+            </a:pPr>
+            <a:r>
+              <a:rPr lang="nb-NO" dirty="0"/>
+              <a:t>Hente flaskepost i </a:t>
+            </a:r>
+            <a:r>
+              <a:rPr lang="nb-NO" dirty="0" err="1"/>
+              <a:t>ifi</a:t>
+            </a:r>
+            <a:r>
+              <a:rPr lang="nb-NO" dirty="0"/>
+              <a:t>-dammen</a:t>
+            </a:r>
+          </a:p>
+          <a:p>
+            <a:pPr>
+              <a:lnSpc>
+                <a:spcPct val="114999"/>
+              </a:lnSpc>
+            </a:pPr>
+            <a:r>
+              <a:rPr lang="nb-NO" dirty="0"/>
+              <a:t>Gjøre deg kjent med det tekniske utstyret (still spørsmål i #teknisk på </a:t>
+            </a:r>
+            <a:r>
+              <a:rPr lang="nb-NO" dirty="0" err="1"/>
+              <a:t>slack</a:t>
+            </a:r>
+            <a:r>
+              <a:rPr lang="nb-NO" dirty="0"/>
+              <a:t>)</a:t>
+            </a:r>
+          </a:p>
+          <a:p>
+            <a:pPr>
+              <a:lnSpc>
+                <a:spcPct val="114999"/>
+              </a:lnSpc>
+            </a:pPr>
+            <a:r>
+              <a:rPr lang="nb-NO" dirty="0"/>
+              <a:t>Sjekk alt utstyr i </a:t>
+            </a:r>
+            <a:r>
+              <a:rPr lang="nb-NO" dirty="0" err="1"/>
+              <a:t>escape</a:t>
+            </a:r>
+            <a:r>
+              <a:rPr lang="nb-NO" dirty="0"/>
+              <a:t> (lys, bord, etc.) for feil eller mangler i blant</a:t>
+            </a:r>
+          </a:p>
+          <a:p>
+            <a:pPr>
+              <a:lnSpc>
+                <a:spcPct val="114999"/>
+              </a:lnSpc>
+            </a:pPr>
+            <a:r>
+              <a:rPr lang="nb-NO" dirty="0"/>
+              <a:t>Komme med forslag til forbedringer i Escape</a:t>
+            </a:r>
+          </a:p>
+        </p:txBody>
+      </p:sp>
+    </p:spTree>
+    <p:extLst>
+      <p:ext uri="{BB962C8B-B14F-4D97-AF65-F5344CB8AC3E}">
+        <p14:creationId xmlns:p14="http://schemas.microsoft.com/office/powerpoint/2010/main" val="1620576335"/>
+      </p:ext>
+    </p:extLst>
+  </p:cSld>
+  <p:clrMapOvr>
+    <a:masterClrMapping/>
+  </p:clrMapOvr>
+</p:sld>
+</file>
+
+<file path=ppt/slides/slide31.xml><?xml version="1.0" encoding="utf-8"?>
+<p:sld xmlns:a="http://schemas.openxmlformats.org/drawingml/2006/main" xmlns:r="http://schemas.openxmlformats.org/officeDocument/2006/relationships" xmlns:p="http://schemas.openxmlformats.org/presentationml/2006/main">
+  <p:cSld>
+    <p:spTree>
+      <p:nvGrpSpPr>
+        <p:cNvPr id="1" name=""/>
+        <p:cNvGrpSpPr/>
+        <p:nvPr/>
+      </p:nvGrpSpPr>
+      <p:grpSpPr>
+        <a:xfrm>
+          <a:off x="0" y="0"/>
+          <a:ext cx="0" cy="0"/>
+          <a:chOff x="0" y="0"/>
+          <a:chExt cx="0" cy="0"/>
+        </a:xfrm>
+      </p:grpSpPr>
+      <p:sp>
+        <p:nvSpPr>
+          <p:cNvPr id="2" name="Tittel 1">
+            <a:extLst>
+              <a:ext uri="{FF2B5EF4-FFF2-40B4-BE49-F238E27FC236}">
                 <a16:creationId xmlns:a16="http://schemas.microsoft.com/office/drawing/2014/main" id="{305379D4-9553-4F91-B522-ABC353E90F21}"/>
               </a:ext>
             </a:extLst>
@@ -15509,7 +15687,7 @@
 </p:sld>
 </file>
 
-<file path=ppt/slides/slide31.xml><?xml version="1.0" encoding="utf-8"?>
+<file path=ppt/slides/slide32.xml><?xml version="1.0" encoding="utf-8"?>
 <p:sld xmlns:a="http://schemas.openxmlformats.org/drawingml/2006/main" xmlns:r="http://schemas.openxmlformats.org/officeDocument/2006/relationships" xmlns:p="http://schemas.openxmlformats.org/presentationml/2006/main">
   <p:cSld>
     <p:spTree>
@@ -15642,7 +15820,7 @@
 </p:sld>
 </file>
 
-<file path=ppt/slides/slide32.xml><?xml version="1.0" encoding="utf-8"?>
+<file path=ppt/slides/slide33.xml><?xml version="1.0" encoding="utf-8"?>
 <p:sld xmlns:a="http://schemas.openxmlformats.org/drawingml/2006/main" xmlns:r="http://schemas.openxmlformats.org/officeDocument/2006/relationships" xmlns:p="http://schemas.openxmlformats.org/presentationml/2006/main">
   <p:cSld>
     <p:spTree>
@@ -15813,7 +15991,7 @@
 </p:sld>
 </file>
 
-<file path=ppt/slides/slide33.xml><?xml version="1.0" encoding="utf-8"?>
+<file path=ppt/slides/slide34.xml><?xml version="1.0" encoding="utf-8"?>
 <p:sld xmlns:a="http://schemas.openxmlformats.org/drawingml/2006/main" xmlns:r="http://schemas.openxmlformats.org/officeDocument/2006/relationships" xmlns:p="http://schemas.openxmlformats.org/presentationml/2006/main">
   <p:cSld>
     <p:spTree>
@@ -15888,205 +16066,6 @@
         </p:txBody>
       </p:sp>
     </p:spTree>
-  </p:cSld>
-  <p:clrMapOvr>
-    <a:masterClrMapping/>
-  </p:clrMapOvr>
-</p:sld>
-</file>
-
-<file path=ppt/slides/slide34.xml><?xml version="1.0" encoding="utf-8"?>
-<p:sld xmlns:a="http://schemas.openxmlformats.org/drawingml/2006/main" xmlns:r="http://schemas.openxmlformats.org/officeDocument/2006/relationships" xmlns:p="http://schemas.openxmlformats.org/presentationml/2006/main">
-  <p:cSld>
-    <p:spTree>
-      <p:nvGrpSpPr>
-        <p:cNvPr id="1" name="Shape 200"/>
-        <p:cNvGrpSpPr/>
-        <p:nvPr/>
-      </p:nvGrpSpPr>
-      <p:grpSpPr>
-        <a:xfrm>
-          <a:off x="0" y="0"/>
-          <a:ext cx="0" cy="0"/>
-          <a:chOff x="0" y="0"/>
-          <a:chExt cx="0" cy="0"/>
-        </a:xfrm>
-      </p:grpSpPr>
-      <p:sp>
-        <p:nvSpPr>
-          <p:cNvPr id="201" name="Google Shape;201;p38"/>
-          <p:cNvSpPr txBox="1">
-            <a:spLocks noGrp="1"/>
-          </p:cNvSpPr>
-          <p:nvPr>
-            <p:ph type="title"/>
-          </p:nvPr>
-        </p:nvSpPr>
-        <p:spPr>
-          <a:xfrm>
-            <a:off x="311700" y="302825"/>
-            <a:ext cx="8520600" cy="714900"/>
-          </a:xfrm>
-          <a:prstGeom prst="rect">
-            <a:avLst/>
-          </a:prstGeom>
-        </p:spPr>
-        <p:txBody>
-          <a:bodyPr spcFirstLastPara="1" wrap="square" lIns="91425" tIns="91425" rIns="91425" bIns="91425" anchor="t" anchorCtr="0">
-            <a:noAutofit/>
-          </a:bodyPr>
-          <a:lstStyle/>
-          <a:p>
-            <a:pPr marL="0" lvl="0" indent="0" algn="l" rtl="0">
-              <a:spcBef>
-                <a:spcPts val="0"/>
-              </a:spcBef>
-              <a:spcAft>
-                <a:spcPts val="0"/>
-              </a:spcAft>
-              <a:buNone/>
-            </a:pPr>
-            <a:r>
-              <a:rPr lang="nb-NO" dirty="0"/>
-              <a:t>§6 b - Endring </a:t>
-            </a:r>
-            <a:endParaRPr dirty="0"/>
-          </a:p>
-        </p:txBody>
-      </p:sp>
-      <p:sp>
-        <p:nvSpPr>
-          <p:cNvPr id="202" name="Google Shape;202;p38"/>
-          <p:cNvSpPr txBox="1">
-            <a:spLocks noGrp="1"/>
-          </p:cNvSpPr>
-          <p:nvPr>
-            <p:ph type="body" idx="1"/>
-          </p:nvPr>
-        </p:nvSpPr>
-        <p:spPr>
-          <a:xfrm>
-            <a:off x="311700" y="1152475"/>
-            <a:ext cx="8520600" cy="3416400"/>
-          </a:xfrm>
-          <a:prstGeom prst="rect">
-            <a:avLst/>
-          </a:prstGeom>
-        </p:spPr>
-        <p:txBody>
-          <a:bodyPr spcFirstLastPara="1" wrap="square" lIns="91425" tIns="91425" rIns="91425" bIns="91425" anchor="t" anchorCtr="0">
-            <a:noAutofit/>
-          </a:bodyPr>
-          <a:lstStyle/>
-          <a:p>
-            <a:pPr marL="0" lvl="0" indent="0" algn="l" rtl="0">
-              <a:spcBef>
-                <a:spcPts val="0"/>
-              </a:spcBef>
-              <a:spcAft>
-                <a:spcPts val="0"/>
-              </a:spcAft>
-              <a:buNone/>
-            </a:pPr>
-            <a:r>
-              <a:rPr lang="nb-NO" dirty="0"/>
-              <a:t>Endre: </a:t>
-            </a:r>
-          </a:p>
-          <a:p>
-            <a:pPr marL="0" lvl="0" indent="0" algn="l" rtl="0">
-              <a:spcBef>
-                <a:spcPts val="0"/>
-              </a:spcBef>
-              <a:spcAft>
-                <a:spcPts val="0"/>
-              </a:spcAft>
-              <a:buNone/>
-            </a:pPr>
-            <a:r>
-              <a:rPr lang="nb-NO" dirty="0"/>
-              <a:t>Kjellerstyret skal ha fra fem til ti personer, og ledes av kjellermogul med </a:t>
-            </a:r>
-            <a:r>
-              <a:rPr lang="nb-NO" dirty="0">
-                <a:solidFill>
-                  <a:srgbClr val="FF0000"/>
-                </a:solidFill>
-              </a:rPr>
-              <a:t>barsjef</a:t>
-            </a:r>
-            <a:r>
-              <a:rPr lang="nb-NO" dirty="0"/>
-              <a:t> som stedfortreder.</a:t>
-            </a:r>
-          </a:p>
-          <a:p>
-            <a:pPr marL="0" lvl="0" indent="0" algn="l" rtl="0">
-              <a:spcBef>
-                <a:spcPts val="0"/>
-              </a:spcBef>
-              <a:spcAft>
-                <a:spcPts val="0"/>
-              </a:spcAft>
-              <a:buNone/>
-            </a:pPr>
-            <a:endParaRPr lang="nb-NO" dirty="0"/>
-          </a:p>
-          <a:p>
-            <a:pPr marL="0" lvl="0" indent="0" algn="l" rtl="0">
-              <a:spcBef>
-                <a:spcPts val="0"/>
-              </a:spcBef>
-              <a:spcAft>
-                <a:spcPts val="0"/>
-              </a:spcAft>
-              <a:buNone/>
-            </a:pPr>
-            <a:r>
-              <a:rPr lang="nb-NO" dirty="0"/>
-              <a:t>Til: </a:t>
-            </a:r>
-          </a:p>
-          <a:p>
-            <a:pPr marL="0" lvl="0" indent="0" algn="l" rtl="0">
-              <a:spcBef>
-                <a:spcPts val="0"/>
-              </a:spcBef>
-              <a:spcAft>
-                <a:spcPts val="0"/>
-              </a:spcAft>
-              <a:buNone/>
-            </a:pPr>
-            <a:r>
-              <a:rPr lang="nb-NO" dirty="0"/>
-              <a:t>Kjellerstyret skal ha fra fem til ti personer, og ledes av kjellermogul med </a:t>
-            </a:r>
-            <a:r>
-              <a:rPr lang="nb-NO" dirty="0">
-                <a:solidFill>
-                  <a:srgbClr val="92D050"/>
-                </a:solidFill>
-              </a:rPr>
-              <a:t>kjellernestleder</a:t>
-            </a:r>
-            <a:r>
-              <a:rPr lang="nb-NO" dirty="0"/>
-              <a:t> som stedfortreder</a:t>
-            </a:r>
-            <a:endParaRPr lang="nb-NO" i="1" dirty="0">
-              <a:solidFill>
-                <a:srgbClr val="92D050"/>
-              </a:solidFill>
-            </a:endParaRPr>
-          </a:p>
-        </p:txBody>
-      </p:sp>
-    </p:spTree>
-    <p:extLst>
-      <p:ext uri="{BB962C8B-B14F-4D97-AF65-F5344CB8AC3E}">
-        <p14:creationId xmlns:p14="http://schemas.microsoft.com/office/powerpoint/2010/main" val="946796566"/>
-      </p:ext>
-    </p:extLst>
   </p:cSld>
   <p:clrMapOvr>
     <a:masterClrMapping/>
@@ -16147,7 +16126,7 @@
             </a:pPr>
             <a:r>
               <a:rPr lang="nb-NO" dirty="0"/>
-              <a:t>§6 c - Endring </a:t>
+              <a:t>§6 b - Endring </a:t>
             </a:r>
             <a:endParaRPr dirty="0"/>
           </a:p>
@@ -16204,7 +16183,19 @@
             </a:pPr>
             <a:r>
               <a:rPr lang="nb-NO" dirty="0"/>
-              <a:t>Faste verv i kjellerstyret er kjellermogul, barsjef og kasserer. Øvrige verv defineres av kjellerstyret før generalforsamling.</a:t>
+              <a:t>Kjellerstyret skal ha fra fem til ti personer, og ledes av kjellermogul med </a:t>
+            </a:r>
+            <a:r>
+              <a:rPr lang="nb-NO" dirty="0">
+                <a:solidFill>
+                  <a:srgbClr val="FF0000"/>
+                </a:solidFill>
+              </a:rPr>
+              <a:t>barsjef</a:t>
+            </a:r>
+            <a:r>
+              <a:rPr lang="nb-NO" dirty="0"/>
+              <a:t> som stedfortreder.</a:t>
             </a:r>
           </a:p>
           <a:p>
@@ -16246,7 +16237,7 @@
             </a:pPr>
             <a:r>
               <a:rPr lang="nb-NO" dirty="0"/>
-              <a:t>Faste verv i kjellerstyret er kjellermogul, </a:t>
+              <a:t>Kjellerstyret skal ha fra fem til ti personer, og ledes av kjellermogul med </a:t>
             </a:r>
             <a:r>
               <a:rPr lang="nb-NO" dirty="0">
@@ -16254,11 +16245,11 @@
                   <a:srgbClr val="92D050"/>
                 </a:solidFill>
               </a:rPr>
-              <a:t>kjellernestleder, </a:t>
+              <a:t>kjellernestleder</a:t>
             </a:r>
             <a:r>
               <a:rPr lang="nb-NO" dirty="0"/>
-              <a:t>barsjef og kasserer. Øvrige verv defineres av kjellerstyret før generalforsamling.</a:t>
+              <a:t> som stedfortreder</a:t>
             </a:r>
             <a:endParaRPr lang="nb-NO" i="1" dirty="0">
               <a:solidFill>
@@ -16271,7 +16262,7 @@
     </p:spTree>
     <p:extLst>
       <p:ext uri="{BB962C8B-B14F-4D97-AF65-F5344CB8AC3E}">
-        <p14:creationId xmlns:p14="http://schemas.microsoft.com/office/powerpoint/2010/main" val="308801331"/>
+        <p14:creationId xmlns:p14="http://schemas.microsoft.com/office/powerpoint/2010/main" val="946796566"/>
       </p:ext>
     </p:extLst>
   </p:cSld>
@@ -16334,7 +16325,7 @@
             </a:pPr>
             <a:r>
               <a:rPr lang="nb-NO" dirty="0"/>
-              <a:t>§11 a - Presisering </a:t>
+              <a:t>§6 c - Endring </a:t>
             </a:r>
             <a:endParaRPr dirty="0"/>
           </a:p>
@@ -16391,7 +16382,7 @@
             </a:pPr>
             <a:r>
               <a:rPr lang="nb-NO" dirty="0"/>
-              <a:t>Foreningens medlemmer jf. §2 kan fremme mistillitsforslag mot styremedlemmer og andre tillitsvalgte som er valgt i henhold til §8.</a:t>
+              <a:t>Faste verv i kjellerstyret er kjellermogul, barsjef og kasserer. Øvrige verv defineres av kjellerstyret før generalforsamling.</a:t>
             </a:r>
           </a:p>
           <a:p>
@@ -16433,7 +16424,7 @@
             </a:pPr>
             <a:r>
               <a:rPr lang="nb-NO" dirty="0"/>
-              <a:t>Foreningens medlemmer jf. §2 kan fremme mistillitsforslag mot styremedlemmer og andre tillitsvalgte som er valgt i henhold til §8</a:t>
+              <a:t>Faste verv i kjellerstyret er kjellermogul, </a:t>
             </a:r>
             <a:r>
               <a:rPr lang="nb-NO" dirty="0">
@@ -16441,7 +16432,11 @@
                   <a:srgbClr val="92D050"/>
                 </a:solidFill>
               </a:rPr>
-              <a:t>, eller etterfylt etter §5 f) eller §6 e).</a:t>
+              <a:t>kjellernestleder, </a:t>
+            </a:r>
+            <a:r>
+              <a:rPr lang="nb-NO" dirty="0"/>
+              <a:t>barsjef og kasserer. Øvrige verv defineres av kjellerstyret før generalforsamling.</a:t>
             </a:r>
             <a:endParaRPr lang="nb-NO" i="1" dirty="0">
               <a:solidFill>
@@ -16454,7 +16449,7 @@
     </p:spTree>
     <p:extLst>
       <p:ext uri="{BB962C8B-B14F-4D97-AF65-F5344CB8AC3E}">
-        <p14:creationId xmlns:p14="http://schemas.microsoft.com/office/powerpoint/2010/main" val="12814958"/>
+        <p14:creationId xmlns:p14="http://schemas.microsoft.com/office/powerpoint/2010/main" val="308801331"/>
       </p:ext>
     </p:extLst>
   </p:cSld>
@@ -16469,7 +16464,7 @@
   <p:cSld>
     <p:spTree>
       <p:nvGrpSpPr>
-        <p:cNvPr id="1" name="Shape 218"/>
+        <p:cNvPr id="1" name="Shape 200"/>
         <p:cNvGrpSpPr/>
         <p:nvPr/>
       </p:nvGrpSpPr>
@@ -16483,7 +16478,7 @@
       </p:grpSpPr>
       <p:sp>
         <p:nvSpPr>
-          <p:cNvPr id="219" name="Google Shape;219;p41"/>
+          <p:cNvPr id="201" name="Google Shape;201;p38"/>
           <p:cNvSpPr txBox="1">
             <a:spLocks noGrp="1"/>
           </p:cNvSpPr>
@@ -16493,15 +16488,15 @@
         </p:nvSpPr>
         <p:spPr>
           <a:xfrm>
-            <a:off x="490250" y="526350"/>
-            <a:ext cx="6227100" cy="4090800"/>
+            <a:off x="311700" y="302825"/>
+            <a:ext cx="8520600" cy="714900"/>
           </a:xfrm>
           <a:prstGeom prst="rect">
             <a:avLst/>
           </a:prstGeom>
         </p:spPr>
         <p:txBody>
-          <a:bodyPr spcFirstLastPara="1" wrap="square" lIns="91425" tIns="91425" rIns="91425" bIns="91425" anchor="ctr" anchorCtr="0">
+          <a:bodyPr spcFirstLastPara="1" wrap="square" lIns="91425" tIns="91425" rIns="91425" bIns="91425" anchor="t" anchorCtr="0">
             <a:noAutofit/>
           </a:bodyPr>
           <a:lstStyle/>
@@ -16516,37 +16511,130 @@
               <a:buNone/>
             </a:pPr>
             <a:r>
-              <a:rPr lang="nb-NO" sz="4400" dirty="0"/>
-              <a:t>Utdeling</a:t>
-            </a:r>
-            <a:r>
-              <a:rPr lang="en-GB" sz="4400" dirty="0"/>
-              <a:t> </a:t>
-            </a:r>
-            <a:r>
-              <a:rPr lang="nb-NO" sz="4400" dirty="0"/>
-              <a:t>av</a:t>
-            </a:r>
-            <a:r>
-              <a:rPr lang="en-GB" sz="4400" dirty="0"/>
-              <a:t> </a:t>
-            </a:r>
-            <a:r>
-              <a:rPr lang="nb-NO" sz="4400" dirty="0"/>
-              <a:t>utmerkelser</a:t>
-            </a:r>
-            <a:br>
-              <a:rPr lang="nb-NO" sz="4400" dirty="0"/>
-            </a:br>
-            <a:r>
-              <a:rPr lang="nb-NO" sz="1800" dirty="0"/>
-              <a:t>(ved arkivar)</a:t>
-            </a:r>
-            <a:endParaRPr lang="nb-NO" sz="4400" dirty="0"/>
+              <a:rPr lang="nb-NO" dirty="0"/>
+              <a:t>§11 a - Presisering </a:t>
+            </a:r>
+            <a:endParaRPr dirty="0"/>
+          </a:p>
+        </p:txBody>
+      </p:sp>
+      <p:sp>
+        <p:nvSpPr>
+          <p:cNvPr id="202" name="Google Shape;202;p38"/>
+          <p:cNvSpPr txBox="1">
+            <a:spLocks noGrp="1"/>
+          </p:cNvSpPr>
+          <p:nvPr>
+            <p:ph type="body" idx="1"/>
+          </p:nvPr>
+        </p:nvSpPr>
+        <p:spPr>
+          <a:xfrm>
+            <a:off x="311700" y="1152475"/>
+            <a:ext cx="8520600" cy="3416400"/>
+          </a:xfrm>
+          <a:prstGeom prst="rect">
+            <a:avLst/>
+          </a:prstGeom>
+        </p:spPr>
+        <p:txBody>
+          <a:bodyPr spcFirstLastPara="1" wrap="square" lIns="91425" tIns="91425" rIns="91425" bIns="91425" anchor="t" anchorCtr="0">
+            <a:noAutofit/>
+          </a:bodyPr>
+          <a:lstStyle/>
+          <a:p>
+            <a:pPr marL="0" lvl="0" indent="0" algn="l" rtl="0">
+              <a:spcBef>
+                <a:spcPts val="0"/>
+              </a:spcBef>
+              <a:spcAft>
+                <a:spcPts val="0"/>
+              </a:spcAft>
+              <a:buNone/>
+            </a:pPr>
+            <a:r>
+              <a:rPr lang="nb-NO" dirty="0"/>
+              <a:t>Endre: </a:t>
+            </a:r>
+          </a:p>
+          <a:p>
+            <a:pPr marL="0" lvl="0" indent="0" algn="l" rtl="0">
+              <a:spcBef>
+                <a:spcPts val="0"/>
+              </a:spcBef>
+              <a:spcAft>
+                <a:spcPts val="0"/>
+              </a:spcAft>
+              <a:buNone/>
+            </a:pPr>
+            <a:r>
+              <a:rPr lang="nb-NO" dirty="0"/>
+              <a:t>Foreningens medlemmer jf. §2 kan fremme mistillitsforslag mot styremedlemmer og andre tillitsvalgte som er valgt i henhold til §8.</a:t>
+            </a:r>
+          </a:p>
+          <a:p>
+            <a:pPr marL="0" lvl="0" indent="0" algn="l" rtl="0">
+              <a:spcBef>
+                <a:spcPts val="0"/>
+              </a:spcBef>
+              <a:spcAft>
+                <a:spcPts val="0"/>
+              </a:spcAft>
+              <a:buNone/>
+            </a:pPr>
+            <a:endParaRPr lang="nb-NO" dirty="0"/>
+          </a:p>
+          <a:p>
+            <a:pPr marL="0" lvl="0" indent="0" algn="l" rtl="0">
+              <a:spcBef>
+                <a:spcPts val="0"/>
+              </a:spcBef>
+              <a:spcAft>
+                <a:spcPts val="0"/>
+              </a:spcAft>
+              <a:buNone/>
+            </a:pPr>
+            <a:r>
+              <a:rPr lang="nb-NO" dirty="0"/>
+              <a:t>Til: </a:t>
+            </a:r>
+          </a:p>
+          <a:p>
+            <a:pPr marL="0" lvl="0" indent="0" algn="l" rtl="0">
+              <a:spcBef>
+                <a:spcPts val="0"/>
+              </a:spcBef>
+              <a:spcAft>
+                <a:spcPts val="0"/>
+              </a:spcAft>
+              <a:buNone/>
+            </a:pPr>
+            <a:r>
+              <a:rPr lang="nb-NO" dirty="0"/>
+              <a:t>Foreningens medlemmer jf. §2 kan fremme mistillitsforslag mot styremedlemmer og andre tillitsvalgte som er valgt i henhold til §8</a:t>
+            </a:r>
+            <a:r>
+              <a:rPr lang="nb-NO" dirty="0">
+                <a:solidFill>
+                  <a:srgbClr val="92D050"/>
+                </a:solidFill>
+              </a:rPr>
+              <a:t>, eller etterfylt etter §5 f) eller §6 e).</a:t>
+            </a:r>
+            <a:endParaRPr lang="nb-NO" i="1" dirty="0">
+              <a:solidFill>
+                <a:srgbClr val="92D050"/>
+              </a:solidFill>
+            </a:endParaRPr>
           </a:p>
         </p:txBody>
       </p:sp>
     </p:spTree>
+    <p:extLst>
+      <p:ext uri="{BB962C8B-B14F-4D97-AF65-F5344CB8AC3E}">
+        <p14:creationId xmlns:p14="http://schemas.microsoft.com/office/powerpoint/2010/main" val="12814958"/>
+      </p:ext>
+    </p:extLst>
   </p:cSld>
   <p:clrMapOvr>
     <a:masterClrMapping/>
@@ -16596,29 +16684,47 @@
           </a:bodyPr>
           <a:lstStyle/>
           <a:p>
-            <a:pPr marL="0" lvl="0" indent="0" algn="l" rtl="0">
-              <a:spcBef>
-                <a:spcPts val="0"/>
-              </a:spcBef>
-              <a:spcAft>
-                <a:spcPts val="0"/>
-              </a:spcAft>
-              <a:buNone/>
-            </a:pPr>
-            <a:r>
-              <a:rPr lang="nb-NO" sz="4400"/>
-              <a:t>Eventuelt</a:t>
+            <a:pPr marL="0" lvl="0" indent="0" algn="ctr" rtl="0">
+              <a:spcBef>
+                <a:spcPts val="0"/>
+              </a:spcBef>
+              <a:spcAft>
+                <a:spcPts val="0"/>
+              </a:spcAft>
+              <a:buNone/>
+            </a:pPr>
+            <a:r>
+              <a:rPr lang="nb-NO" sz="4400" dirty="0"/>
+              <a:t>Utdeling</a:t>
+            </a:r>
+            <a:r>
+              <a:rPr lang="en-GB" sz="4400" dirty="0"/>
+              <a:t> </a:t>
+            </a:r>
+            <a:r>
+              <a:rPr lang="nb-NO" sz="4400" dirty="0"/>
+              <a:t>av</a:t>
+            </a:r>
+            <a:r>
+              <a:rPr lang="en-GB" sz="4400" dirty="0"/>
+              <a:t> </a:t>
+            </a:r>
+            <a:r>
+              <a:rPr lang="nb-NO" sz="4400" dirty="0"/>
+              <a:t>utmerkelser</a:t>
+            </a:r>
+            <a:br>
+              <a:rPr lang="nb-NO" sz="4400" dirty="0"/>
+            </a:br>
+            <a:r>
+              <a:rPr lang="nb-NO" sz="1800" dirty="0"/>
+              <a:t>(ved arkivar)</a:t>
             </a:r>
             <a:endParaRPr lang="nb-NO" sz="4400" dirty="0"/>
           </a:p>
         </p:txBody>
       </p:sp>
     </p:spTree>
-    <p:extLst>
-      <p:ext uri="{BB962C8B-B14F-4D97-AF65-F5344CB8AC3E}">
-        <p14:creationId xmlns:p14="http://schemas.microsoft.com/office/powerpoint/2010/main" val="624578113"/>
-      </p:ext>
-    </p:extLst>
   </p:cSld>
   <p:clrMapOvr>
     <a:masterClrMapping/>
@@ -16631,7 +16737,7 @@
   <p:cSld>
     <p:spTree>
       <p:nvGrpSpPr>
-        <p:cNvPr id="1" name="Shape 223"/>
+        <p:cNvPr id="1" name="Shape 218"/>
         <p:cNvGrpSpPr/>
         <p:nvPr/>
       </p:nvGrpSpPr>
@@ -16645,7 +16751,7 @@
       </p:grpSpPr>
       <p:sp>
         <p:nvSpPr>
-          <p:cNvPr id="224" name="Google Shape;224;p42"/>
+          <p:cNvPr id="219" name="Google Shape;219;p41"/>
           <p:cNvSpPr txBox="1">
             <a:spLocks noGrp="1"/>
           </p:cNvSpPr>
@@ -16655,8 +16761,8 @@
         </p:nvSpPr>
         <p:spPr>
           <a:xfrm>
-            <a:off x="671250" y="2141250"/>
-            <a:ext cx="7852200" cy="861000"/>
+            <a:off x="490250" y="526350"/>
+            <a:ext cx="6227100" cy="4090800"/>
           </a:xfrm>
           <a:prstGeom prst="rect">
             <a:avLst/>
@@ -16668,36 +16774,29 @@
           </a:bodyPr>
           <a:lstStyle/>
           <a:p>
-            <a:pPr marL="0" lvl="0" indent="0" algn="ctr" rtl="0">
-              <a:spcBef>
-                <a:spcPts val="0"/>
-              </a:spcBef>
-              <a:spcAft>
-                <a:spcPts val="0"/>
-              </a:spcAft>
-              <a:buNone/>
-            </a:pPr>
-            <a:r>
-              <a:rPr lang="nb-NO"/>
-              <a:t>Takk</a:t>
-            </a:r>
-            <a:r>
-              <a:rPr lang="en-GB"/>
-              <a:t> for </a:t>
-            </a:r>
-            <a:r>
-              <a:rPr lang="nb-NO"/>
-              <a:t>oppmøte</a:t>
-            </a:r>
-            <a:r>
-              <a:rPr lang="en-GB"/>
-              <a:t>!</a:t>
-            </a:r>
-            <a:endParaRPr/>
+            <a:pPr marL="0" lvl="0" indent="0" algn="l" rtl="0">
+              <a:spcBef>
+                <a:spcPts val="0"/>
+              </a:spcBef>
+              <a:spcAft>
+                <a:spcPts val="0"/>
+              </a:spcAft>
+              <a:buNone/>
+            </a:pPr>
+            <a:r>
+              <a:rPr lang="nb-NO" sz="4400"/>
+              <a:t>Eventuelt</a:t>
+            </a:r>
+            <a:endParaRPr lang="nb-NO" sz="4400" dirty="0"/>
           </a:p>
         </p:txBody>
       </p:sp>
     </p:spTree>
+    <p:extLst>
+      <p:ext uri="{BB962C8B-B14F-4D97-AF65-F5344CB8AC3E}">
+        <p14:creationId xmlns:p14="http://schemas.microsoft.com/office/powerpoint/2010/main" val="624578113"/>
+      </p:ext>
+    </p:extLst>
   </p:cSld>
   <p:clrMapOvr>
     <a:masterClrMapping/>
@@ -16771,6 +16870,85 @@
             <a:r>
               <a:rPr lang="en-GB"/>
               <a:t> referent</a:t>
+            </a:r>
+            <a:endParaRPr/>
+          </a:p>
+        </p:txBody>
+      </p:sp>
+    </p:spTree>
+  </p:cSld>
+  <p:clrMapOvr>
+    <a:masterClrMapping/>
+  </p:clrMapOvr>
+</p:sld>
+</file>
+
+<file path=ppt/slides/slide40.xml><?xml version="1.0" encoding="utf-8"?>
+<p:sld xmlns:a="http://schemas.openxmlformats.org/drawingml/2006/main" xmlns:r="http://schemas.openxmlformats.org/officeDocument/2006/relationships" xmlns:p="http://schemas.openxmlformats.org/presentationml/2006/main">
+  <p:cSld>
+    <p:spTree>
+      <p:nvGrpSpPr>
+        <p:cNvPr id="1" name="Shape 223"/>
+        <p:cNvGrpSpPr/>
+        <p:nvPr/>
+      </p:nvGrpSpPr>
+      <p:grpSpPr>
+        <a:xfrm>
+          <a:off x="0" y="0"/>
+          <a:ext cx="0" cy="0"/>
+          <a:chOff x="0" y="0"/>
+          <a:chExt cx="0" cy="0"/>
+        </a:xfrm>
+      </p:grpSpPr>
+      <p:sp>
+        <p:nvSpPr>
+          <p:cNvPr id="224" name="Google Shape;224;p42"/>
+          <p:cNvSpPr txBox="1">
+            <a:spLocks noGrp="1"/>
+          </p:cNvSpPr>
+          <p:nvPr>
+            <p:ph type="title"/>
+          </p:nvPr>
+        </p:nvSpPr>
+        <p:spPr>
+          <a:xfrm>
+            <a:off x="671250" y="2141250"/>
+            <a:ext cx="7852200" cy="861000"/>
+          </a:xfrm>
+          <a:prstGeom prst="rect">
+            <a:avLst/>
+          </a:prstGeom>
+        </p:spPr>
+        <p:txBody>
+          <a:bodyPr spcFirstLastPara="1" wrap="square" lIns="91425" tIns="91425" rIns="91425" bIns="91425" anchor="ctr" anchorCtr="0">
+            <a:noAutofit/>
+          </a:bodyPr>
+          <a:lstStyle/>
+          <a:p>
+            <a:pPr marL="0" lvl="0" indent="0" algn="ctr" rtl="0">
+              <a:spcBef>
+                <a:spcPts val="0"/>
+              </a:spcBef>
+              <a:spcAft>
+                <a:spcPts val="0"/>
+              </a:spcAft>
+              <a:buNone/>
+            </a:pPr>
+            <a:r>
+              <a:rPr lang="nb-NO"/>
+              <a:t>Takk</a:t>
+            </a:r>
+            <a:r>
+              <a:rPr lang="en-GB"/>
+              <a:t> for </a:t>
+            </a:r>
+            <a:r>
+              <a:rPr lang="nb-NO"/>
+              <a:t>oppmøte</a:t>
+            </a:r>
+            <a:r>
+              <a:rPr lang="en-GB"/>
+              <a:t>!</a:t>
             </a:r>
             <a:endParaRPr/>
           </a:p>

--- a/generalforsamling/23V/Generalforsamling V2023.pptx
+++ b/generalforsamling/23V/Generalforsamling V2023.pptx
@@ -327,7 +327,7 @@
 <file path=ppt/revisionInfo.xml><?xml version="1.0" encoding="utf-8"?>
 <p1510:revInfo xmlns:a="http://schemas.openxmlformats.org/drawingml/2006/main" xmlns:r="http://schemas.openxmlformats.org/officeDocument/2006/relationships" xmlns:p1510="http://schemas.microsoft.com/office/powerpoint/2015/10/main">
   <p1510:revLst>
-    <p1510:client id="{B1034DF2-4A9E-41D4-A465-7720ECEE0388}" v="2" dt="2023-05-02T13:02:21.483"/>
+    <p1510:client id="{B1034DF2-4A9E-41D4-A465-7720ECEE0388}" v="5" dt="2023-05-03T13:11:14.941"/>
   </p1510:revLst>
 </p1510:revInfo>
 </file>
@@ -337,7 +337,7 @@
   <pc:docChgLst>
     <pc:chgData name="Peter Hjelle Petersen-Øverleir" userId="75e6a86c-2ff7-48bd-a545-c00c7cd58f36" providerId="ADAL" clId="{B1034DF2-4A9E-41D4-A465-7720ECEE0388}"/>
     <pc:docChg chg="undo redo custSel addSld delSld modSld sldOrd">
-      <pc:chgData name="Peter Hjelle Petersen-Øverleir" userId="75e6a86c-2ff7-48bd-a545-c00c7cd58f36" providerId="ADAL" clId="{B1034DF2-4A9E-41D4-A465-7720ECEE0388}" dt="2023-05-03T08:34:22.061" v="152" actId="122"/>
+      <pc:chgData name="Peter Hjelle Petersen-Øverleir" userId="75e6a86c-2ff7-48bd-a545-c00c7cd58f36" providerId="ADAL" clId="{B1034DF2-4A9E-41D4-A465-7720ECEE0388}" dt="2023-05-03T13:12:55.181" v="203" actId="2711"/>
       <pc:docMkLst>
         <pc:docMk/>
       </pc:docMkLst>
@@ -477,8 +477,8 @@
           </ac:spMkLst>
         </pc:spChg>
       </pc:sldChg>
-      <pc:sldChg chg="modSp new mod">
-        <pc:chgData name="Peter Hjelle Petersen-Øverleir" userId="75e6a86c-2ff7-48bd-a545-c00c7cd58f36" providerId="ADAL" clId="{B1034DF2-4A9E-41D4-A465-7720ECEE0388}" dt="2023-05-03T08:33:20.581" v="151" actId="20577"/>
+      <pc:sldChg chg="addSp modSp new mod">
+        <pc:chgData name="Peter Hjelle Petersen-Øverleir" userId="75e6a86c-2ff7-48bd-a545-c00c7cd58f36" providerId="ADAL" clId="{B1034DF2-4A9E-41D4-A465-7720ECEE0388}" dt="2023-05-03T13:12:55.181" v="203" actId="2711"/>
         <pc:sldMkLst>
           <pc:docMk/>
           <pc:sldMk cId="3493057294" sldId="315"/>
@@ -489,6 +489,46 @@
             <pc:docMk/>
             <pc:sldMk cId="3493057294" sldId="315"/>
             <ac:spMk id="2" creationId="{FC4833E2-23F8-4FAA-9F7A-9A9A023A3212}"/>
+          </ac:spMkLst>
+        </pc:spChg>
+        <pc:spChg chg="mod">
+          <ac:chgData name="Peter Hjelle Petersen-Øverleir" userId="75e6a86c-2ff7-48bd-a545-c00c7cd58f36" providerId="ADAL" clId="{B1034DF2-4A9E-41D4-A465-7720ECEE0388}" dt="2023-05-03T13:12:55.181" v="203" actId="2711"/>
+          <ac:spMkLst>
+            <pc:docMk/>
+            <pc:sldMk cId="3493057294" sldId="315"/>
+            <ac:spMk id="3" creationId="{94A3FA79-53A0-AD04-C7EA-185D88FB8F3C}"/>
+          </ac:spMkLst>
+        </pc:spChg>
+        <pc:spChg chg="add">
+          <ac:chgData name="Peter Hjelle Petersen-Øverleir" userId="75e6a86c-2ff7-48bd-a545-c00c7cd58f36" providerId="ADAL" clId="{B1034DF2-4A9E-41D4-A465-7720ECEE0388}" dt="2023-05-03T13:11:04.114" v="153"/>
+          <ac:spMkLst>
+            <pc:docMk/>
+            <pc:sldMk cId="3493057294" sldId="315"/>
+            <ac:spMk id="4" creationId="{D56806E9-7424-73EB-0689-97E132B77F29}"/>
+          </ac:spMkLst>
+        </pc:spChg>
+        <pc:spChg chg="add">
+          <ac:chgData name="Peter Hjelle Petersen-Øverleir" userId="75e6a86c-2ff7-48bd-a545-c00c7cd58f36" providerId="ADAL" clId="{B1034DF2-4A9E-41D4-A465-7720ECEE0388}" dt="2023-05-03T13:11:04.114" v="153"/>
+          <ac:spMkLst>
+            <pc:docMk/>
+            <pc:sldMk cId="3493057294" sldId="315"/>
+            <ac:spMk id="5" creationId="{91D96046-CC3E-F519-753E-E46BA1198304}"/>
+          </ac:spMkLst>
+        </pc:spChg>
+        <pc:spChg chg="add mod">
+          <ac:chgData name="Peter Hjelle Petersen-Øverleir" userId="75e6a86c-2ff7-48bd-a545-c00c7cd58f36" providerId="ADAL" clId="{B1034DF2-4A9E-41D4-A465-7720ECEE0388}" dt="2023-05-03T13:11:08.048" v="154"/>
+          <ac:spMkLst>
+            <pc:docMk/>
+            <pc:sldMk cId="3493057294" sldId="315"/>
+            <ac:spMk id="6" creationId="{722F079F-012C-C7C3-D4B3-2C2537CB8405}"/>
+          </ac:spMkLst>
+        </pc:spChg>
+        <pc:spChg chg="add mod">
+          <ac:chgData name="Peter Hjelle Petersen-Øverleir" userId="75e6a86c-2ff7-48bd-a545-c00c7cd58f36" providerId="ADAL" clId="{B1034DF2-4A9E-41D4-A465-7720ECEE0388}" dt="2023-05-03T13:11:08.048" v="154"/>
+          <ac:spMkLst>
+            <pc:docMk/>
+            <pc:sldMk cId="3493057294" sldId="315"/>
+            <ac:spMk id="7" creationId="{FC8FD707-6B9F-59CF-7EF5-BD04E71F3A79}"/>
           </ac:spMkLst>
         </pc:spChg>
       </pc:sldChg>
@@ -13693,7 +13733,639 @@
           <a:bodyPr/>
           <a:lstStyle/>
           <a:p>
+            <a:r>
+              <a:rPr lang="nb-NO" dirty="0">
+                <a:latin typeface="Roboto" panose="02000000000000000000" pitchFamily="2" charset="0"/>
+                <a:ea typeface="Roboto" panose="02000000000000000000" pitchFamily="2" charset="0"/>
+                <a:cs typeface="Roboto" panose="02000000000000000000" pitchFamily="2" charset="0"/>
+              </a:rPr>
+              <a:t>ansvar for </a:t>
+            </a:r>
+            <a:r>
+              <a:rPr lang="nb-NO" dirty="0" err="1">
+                <a:latin typeface="Roboto" panose="02000000000000000000" pitchFamily="2" charset="0"/>
+                <a:ea typeface="Roboto" panose="02000000000000000000" pitchFamily="2" charset="0"/>
+                <a:cs typeface="Roboto" panose="02000000000000000000" pitchFamily="2" charset="0"/>
+              </a:rPr>
+              <a:t>CYBs</a:t>
+            </a:r>
+            <a:r>
+              <a:rPr lang="nb-NO" dirty="0">
+                <a:latin typeface="Roboto" panose="02000000000000000000" pitchFamily="2" charset="0"/>
+                <a:ea typeface="Roboto" panose="02000000000000000000" pitchFamily="2" charset="0"/>
+                <a:cs typeface="Roboto" panose="02000000000000000000" pitchFamily="2" charset="0"/>
+              </a:rPr>
+              <a:t> økonomi</a:t>
+            </a:r>
+          </a:p>
+          <a:p>
+            <a:r>
+              <a:rPr lang="nb-NO" dirty="0">
+                <a:latin typeface="Roboto" panose="02000000000000000000" pitchFamily="2" charset="0"/>
+                <a:ea typeface="Roboto" panose="02000000000000000000" pitchFamily="2" charset="0"/>
+                <a:cs typeface="Roboto" panose="02000000000000000000" pitchFamily="2" charset="0"/>
+              </a:rPr>
+              <a:t>ansvar for budsjettering, økonomistyring, regnskap, samt avgifter</a:t>
+            </a:r>
+          </a:p>
+          <a:p>
+            <a:r>
+              <a:rPr lang="nb-NO" dirty="0">
+                <a:latin typeface="Roboto" panose="02000000000000000000" pitchFamily="2" charset="0"/>
+                <a:ea typeface="Roboto" panose="02000000000000000000" pitchFamily="2" charset="0"/>
+                <a:cs typeface="Roboto" panose="02000000000000000000" pitchFamily="2" charset="0"/>
+              </a:rPr>
+              <a:t>leder av økonomigruppa</a:t>
+            </a:r>
+          </a:p>
+          <a:p>
+            <a:r>
+              <a:rPr lang="nb-NO" dirty="0"/>
+              <a:t>Gå på FU møter</a:t>
+            </a:r>
+          </a:p>
+          <a:p>
             <a:endParaRPr lang="nb-NO" dirty="0"/>
+          </a:p>
+          <a:p>
+            <a:endParaRPr lang="nb-NO" dirty="0"/>
+          </a:p>
+          <a:p>
+            <a:endParaRPr lang="nb-NO" dirty="0"/>
+          </a:p>
+          <a:p>
+            <a:endParaRPr lang="nb-NO" dirty="0"/>
+          </a:p>
+          <a:p>
+            <a:endParaRPr lang="nb-NO" dirty="0"/>
+          </a:p>
+          <a:p>
+            <a:endParaRPr lang="nb-NO" dirty="0"/>
+          </a:p>
+          <a:p>
+            <a:endParaRPr lang="nb-NO" dirty="0"/>
+          </a:p>
+        </p:txBody>
+      </p:sp>
+      <p:sp>
+        <p:nvSpPr>
+          <p:cNvPr id="4" name="Rectangle 1">
+            <a:extLst>
+              <a:ext uri="{FF2B5EF4-FFF2-40B4-BE49-F238E27FC236}">
+                <a16:creationId xmlns:a16="http://schemas.microsoft.com/office/drawing/2014/main" id="{D56806E9-7424-73EB-0689-97E132B77F29}"/>
+              </a:ext>
+            </a:extLst>
+          </p:cNvPr>
+          <p:cNvSpPr>
+            <a:spLocks noChangeArrowheads="1"/>
+          </p:cNvSpPr>
+          <p:nvPr/>
+        </p:nvSpPr>
+        <p:spPr bwMode="auto">
+          <a:xfrm>
+            <a:off x="0" y="1736304313"/>
+            <a:ext cx="9144000" cy="0"/>
+          </a:xfrm>
+          <a:prstGeom prst="rect">
+            <a:avLst/>
+          </a:prstGeom>
+          <a:noFill/>
+          <a:ln>
+            <a:noFill/>
+          </a:ln>
+          <a:effectLst/>
+          <a:extLst>
+            <a:ext uri="{909E8E84-426E-40DD-AFC4-6F175D3DCCD1}">
+              <a14:hiddenFill xmlns:a14="http://schemas.microsoft.com/office/drawing/2010/main">
+                <a:solidFill>
+                  <a:schemeClr val="accent1"/>
+                </a:solidFill>
+              </a14:hiddenFill>
+            </a:ext>
+            <a:ext uri="{91240B29-F687-4F45-9708-019B960494DF}">
+              <a14:hiddenLine xmlns:a14="http://schemas.microsoft.com/office/drawing/2010/main" w="9525">
+                <a:solidFill>
+                  <a:schemeClr val="tx1"/>
+                </a:solidFill>
+                <a:miter lim="800000"/>
+                <a:headEnd/>
+                <a:tailEnd/>
+              </a14:hiddenLine>
+            </a:ext>
+            <a:ext uri="{AF507438-7753-43E0-B8FC-AC1667EBCBE1}">
+              <a14:hiddenEffects xmlns:a14="http://schemas.microsoft.com/office/drawing/2010/main">
+                <a:effectLst>
+                  <a:outerShdw dist="35921" dir="2700000" algn="ctr" rotWithShape="0">
+                    <a:schemeClr val="bg2"/>
+                  </a:outerShdw>
+                </a:effectLst>
+              </a14:hiddenEffects>
+            </a:ext>
+          </a:extLst>
+        </p:spPr>
+        <p:txBody>
+          <a:bodyPr vert="horz" wrap="none" lIns="91440" tIns="45720" rIns="91440" bIns="45720" numCol="1" anchor="ctr" anchorCtr="0" compatLnSpc="1">
+            <a:prstTxWarp prst="textNoShape">
+              <a:avLst/>
+            </a:prstTxWarp>
+            <a:spAutoFit/>
+          </a:bodyPr>
+          <a:lstStyle/>
+          <a:p>
+            <a:pPr marL="0" marR="0" lvl="0" indent="0" algn="l" defTabSz="914400" rtl="0" eaLnBrk="0" fontAlgn="base" latinLnBrk="0" hangingPunct="0">
+              <a:lnSpc>
+                <a:spcPct val="100000"/>
+              </a:lnSpc>
+              <a:spcBef>
+                <a:spcPct val="0"/>
+              </a:spcBef>
+              <a:spcAft>
+                <a:spcPct val="0"/>
+              </a:spcAft>
+              <a:buClrTx/>
+              <a:buSzTx/>
+              <a:buFontTx/>
+              <a:buNone/>
+              <a:tabLst/>
+            </a:pPr>
+            <a:r>
+              <a:rPr kumimoji="0" lang="nb-NO" altLang="nb-NO" sz="1100" b="0" i="0" u="none" strike="noStrike" cap="none" normalizeH="0" baseline="0">
+                <a:ln>
+                  <a:noFill/>
+                </a:ln>
+                <a:solidFill>
+                  <a:schemeClr val="tx1"/>
+                </a:solidFill>
+                <a:effectLst/>
+                <a:latin typeface="Arial" panose="020B0604020202020204" pitchFamily="34" charset="0"/>
+              </a:rPr>
+              <a:t>• ansvar for CYBs økonomi</a:t>
+            </a:r>
+            <a:br>
+              <a:rPr kumimoji="0" lang="nb-NO" altLang="nb-NO" sz="1100" b="0" i="0" u="none" strike="noStrike" cap="none" normalizeH="0" baseline="0">
+                <a:ln>
+                  <a:noFill/>
+                </a:ln>
+                <a:solidFill>
+                  <a:schemeClr val="tx1"/>
+                </a:solidFill>
+                <a:effectLst/>
+                <a:latin typeface="Arial" panose="020B0604020202020204" pitchFamily="34" charset="0"/>
+              </a:rPr>
+            </a:br>
+            <a:r>
+              <a:rPr kumimoji="0" lang="nb-NO" altLang="nb-NO" sz="1100" b="0" i="0" u="none" strike="noStrike" cap="none" normalizeH="0" baseline="0">
+                <a:ln>
+                  <a:noFill/>
+                </a:ln>
+                <a:solidFill>
+                  <a:schemeClr val="tx1"/>
+                </a:solidFill>
+                <a:effectLst/>
+                <a:latin typeface="Arial" panose="020B0604020202020204" pitchFamily="34" charset="0"/>
+              </a:rPr>
+              <a:t>• ansvar for budsjettering, økonomistyring, regnskap, samt avgifter</a:t>
+            </a:r>
+            <a:br>
+              <a:rPr kumimoji="0" lang="nb-NO" altLang="nb-NO" sz="1100" b="0" i="0" u="none" strike="noStrike" cap="none" normalizeH="0" baseline="0">
+                <a:ln>
+                  <a:noFill/>
+                </a:ln>
+                <a:solidFill>
+                  <a:schemeClr val="tx1"/>
+                </a:solidFill>
+                <a:effectLst/>
+                <a:latin typeface="Arial" panose="020B0604020202020204" pitchFamily="34" charset="0"/>
+              </a:rPr>
+            </a:br>
+            <a:r>
+              <a:rPr kumimoji="0" lang="nb-NO" altLang="nb-NO" sz="1100" b="0" i="0" u="none" strike="noStrike" cap="none" normalizeH="0" baseline="0">
+                <a:ln>
+                  <a:noFill/>
+                </a:ln>
+                <a:solidFill>
+                  <a:schemeClr val="tx1"/>
+                </a:solidFill>
+                <a:effectLst/>
+                <a:latin typeface="Arial" panose="020B0604020202020204" pitchFamily="34" charset="0"/>
+              </a:rPr>
+              <a:t>• leder av økonomigruppa</a:t>
+            </a:r>
+          </a:p>
+          <a:p>
+            <a:pPr marL="0" marR="0" lvl="0" indent="0" algn="l" defTabSz="914400" rtl="0" eaLnBrk="0" fontAlgn="base" latinLnBrk="0" hangingPunct="0">
+              <a:lnSpc>
+                <a:spcPct val="100000"/>
+              </a:lnSpc>
+              <a:spcBef>
+                <a:spcPct val="0"/>
+              </a:spcBef>
+              <a:spcAft>
+                <a:spcPct val="0"/>
+              </a:spcAft>
+              <a:buClrTx/>
+              <a:buSzTx/>
+              <a:buFontTx/>
+              <a:buNone/>
+              <a:tabLst/>
+            </a:pPr>
+            <a:endParaRPr kumimoji="0" lang="nb-NO" altLang="nb-NO" sz="1800" b="0" i="0" u="none" strike="noStrike" cap="none" normalizeH="0" baseline="0">
+              <a:ln>
+                <a:noFill/>
+              </a:ln>
+              <a:solidFill>
+                <a:schemeClr val="tx1"/>
+              </a:solidFill>
+              <a:effectLst/>
+              <a:latin typeface="Arial" panose="020B0604020202020204" pitchFamily="34" charset="0"/>
+            </a:endParaRPr>
+          </a:p>
+        </p:txBody>
+      </p:sp>
+      <p:sp>
+        <p:nvSpPr>
+          <p:cNvPr id="5" name="Rectangle 2">
+            <a:extLst>
+              <a:ext uri="{FF2B5EF4-FFF2-40B4-BE49-F238E27FC236}">
+                <a16:creationId xmlns:a16="http://schemas.microsoft.com/office/drawing/2014/main" id="{91D96046-CC3E-F519-753E-E46BA1198304}"/>
+              </a:ext>
+            </a:extLst>
+          </p:cNvPr>
+          <p:cNvSpPr>
+            <a:spLocks noChangeArrowheads="1"/>
+          </p:cNvSpPr>
+          <p:nvPr/>
+        </p:nvSpPr>
+        <p:spPr bwMode="auto">
+          <a:xfrm>
+            <a:off x="0" y="2147483647"/>
+            <a:ext cx="0" cy="0"/>
+          </a:xfrm>
+          <a:prstGeom prst="rect">
+            <a:avLst/>
+          </a:prstGeom>
+          <a:noFill/>
+          <a:ln>
+            <a:noFill/>
+          </a:ln>
+          <a:effectLst/>
+          <a:extLst>
+            <a:ext uri="{909E8E84-426E-40DD-AFC4-6F175D3DCCD1}">
+              <a14:hiddenFill xmlns:a14="http://schemas.microsoft.com/office/drawing/2010/main">
+                <a:solidFill>
+                  <a:schemeClr val="accent1"/>
+                </a:solidFill>
+              </a14:hiddenFill>
+            </a:ext>
+            <a:ext uri="{91240B29-F687-4F45-9708-019B960494DF}">
+              <a14:hiddenLine xmlns:a14="http://schemas.microsoft.com/office/drawing/2010/main" w="9525">
+                <a:solidFill>
+                  <a:schemeClr val="tx1"/>
+                </a:solidFill>
+                <a:miter lim="800000"/>
+                <a:headEnd/>
+                <a:tailEnd/>
+              </a14:hiddenLine>
+            </a:ext>
+            <a:ext uri="{AF507438-7753-43E0-B8FC-AC1667EBCBE1}">
+              <a14:hiddenEffects xmlns:a14="http://schemas.microsoft.com/office/drawing/2010/main">
+                <a:effectLst>
+                  <a:outerShdw dist="35921" dir="2700000" algn="ctr" rotWithShape="0">
+                    <a:schemeClr val="bg2"/>
+                  </a:outerShdw>
+                </a:effectLst>
+              </a14:hiddenEffects>
+            </a:ext>
+          </a:extLst>
+        </p:spPr>
+        <p:txBody>
+          <a:bodyPr vert="horz" wrap="none" lIns="91440" tIns="45720" rIns="91440" bIns="45720" numCol="1" anchor="ctr" anchorCtr="0" compatLnSpc="1">
+            <a:prstTxWarp prst="textNoShape">
+              <a:avLst/>
+            </a:prstTxWarp>
+            <a:spAutoFit/>
+          </a:bodyPr>
+          <a:lstStyle/>
+          <a:p>
+            <a:pPr marL="0" marR="0" lvl="0" indent="0" algn="l" defTabSz="914400" rtl="0" eaLnBrk="0" fontAlgn="base" latinLnBrk="0" hangingPunct="0">
+              <a:lnSpc>
+                <a:spcPct val="100000"/>
+              </a:lnSpc>
+              <a:spcBef>
+                <a:spcPct val="0"/>
+              </a:spcBef>
+              <a:spcAft>
+                <a:spcPct val="0"/>
+              </a:spcAft>
+              <a:buClrTx/>
+              <a:buSzTx/>
+              <a:buFontTx/>
+              <a:buNone/>
+              <a:tabLst/>
+            </a:pPr>
+            <a:br>
+              <a:rPr kumimoji="0" lang="nb-NO" altLang="nb-NO" sz="600" b="0" i="0" u="none" strike="noStrike" cap="none" normalizeH="0" baseline="0">
+                <a:ln>
+                  <a:noFill/>
+                </a:ln>
+                <a:solidFill>
+                  <a:schemeClr val="tx1"/>
+                </a:solidFill>
+                <a:effectLst/>
+                <a:latin typeface="Slack-Lato"/>
+              </a:rPr>
+            </a:br>
+            <a:endParaRPr kumimoji="0" lang="nb-NO" altLang="nb-NO" sz="1800" b="0" i="0" u="none" strike="noStrike" cap="none" normalizeH="0" baseline="0">
+              <a:ln>
+                <a:noFill/>
+              </a:ln>
+              <a:solidFill>
+                <a:schemeClr val="tx1"/>
+              </a:solidFill>
+              <a:effectLst/>
+              <a:latin typeface="Arial" panose="020B0604020202020204" pitchFamily="34" charset="0"/>
+            </a:endParaRPr>
+          </a:p>
+        </p:txBody>
+      </p:sp>
+      <p:sp>
+        <p:nvSpPr>
+          <p:cNvPr id="6" name="Rectangle 3">
+            <a:extLst>
+              <a:ext uri="{FF2B5EF4-FFF2-40B4-BE49-F238E27FC236}">
+                <a16:creationId xmlns:a16="http://schemas.microsoft.com/office/drawing/2014/main" id="{722F079F-012C-C7C3-D4B3-2C2537CB8405}"/>
+              </a:ext>
+            </a:extLst>
+          </p:cNvPr>
+          <p:cNvSpPr>
+            <a:spLocks noChangeArrowheads="1"/>
+          </p:cNvSpPr>
+          <p:nvPr/>
+        </p:nvSpPr>
+        <p:spPr bwMode="auto">
+          <a:xfrm>
+            <a:off x="152400" y="1736304313"/>
+            <a:ext cx="9144000" cy="0"/>
+          </a:xfrm>
+          <a:prstGeom prst="rect">
+            <a:avLst/>
+          </a:prstGeom>
+          <a:noFill/>
+          <a:ln>
+            <a:noFill/>
+          </a:ln>
+          <a:effectLst/>
+          <a:extLst>
+            <a:ext uri="{909E8E84-426E-40DD-AFC4-6F175D3DCCD1}">
+              <a14:hiddenFill xmlns:a14="http://schemas.microsoft.com/office/drawing/2010/main">
+                <a:solidFill>
+                  <a:schemeClr val="accent1"/>
+                </a:solidFill>
+              </a14:hiddenFill>
+            </a:ext>
+            <a:ext uri="{91240B29-F687-4F45-9708-019B960494DF}">
+              <a14:hiddenLine xmlns:a14="http://schemas.microsoft.com/office/drawing/2010/main" w="9525">
+                <a:solidFill>
+                  <a:schemeClr val="tx1"/>
+                </a:solidFill>
+                <a:miter lim="800000"/>
+                <a:headEnd/>
+                <a:tailEnd/>
+              </a14:hiddenLine>
+            </a:ext>
+            <a:ext uri="{AF507438-7753-43E0-B8FC-AC1667EBCBE1}">
+              <a14:hiddenEffects xmlns:a14="http://schemas.microsoft.com/office/drawing/2010/main">
+                <a:effectLst>
+                  <a:outerShdw dist="35921" dir="2700000" algn="ctr" rotWithShape="0">
+                    <a:schemeClr val="bg2"/>
+                  </a:outerShdw>
+                </a:effectLst>
+              </a14:hiddenEffects>
+            </a:ext>
+          </a:extLst>
+        </p:spPr>
+        <p:txBody>
+          <a:bodyPr vert="horz" wrap="none" lIns="91440" tIns="45720" rIns="91440" bIns="45720" numCol="1" anchor="ctr" anchorCtr="0" compatLnSpc="1">
+            <a:prstTxWarp prst="textNoShape">
+              <a:avLst/>
+            </a:prstTxWarp>
+            <a:spAutoFit/>
+          </a:bodyPr>
+          <a:lstStyle/>
+          <a:p>
+            <a:pPr marL="0" marR="0" lvl="0" indent="0" algn="l" defTabSz="914400" rtl="0" eaLnBrk="0" fontAlgn="base" latinLnBrk="0" hangingPunct="0">
+              <a:lnSpc>
+                <a:spcPct val="100000"/>
+              </a:lnSpc>
+              <a:spcBef>
+                <a:spcPct val="0"/>
+              </a:spcBef>
+              <a:spcAft>
+                <a:spcPct val="0"/>
+              </a:spcAft>
+              <a:buClrTx/>
+              <a:buSzTx/>
+              <a:buFontTx/>
+              <a:buNone/>
+              <a:tabLst/>
+            </a:pPr>
+            <a:r>
+              <a:rPr kumimoji="0" lang="nb-NO" altLang="nb-NO" sz="1100" b="0" i="0" u="none" strike="noStrike" cap="none" normalizeH="0" baseline="0">
+                <a:ln>
+                  <a:noFill/>
+                </a:ln>
+                <a:solidFill>
+                  <a:schemeClr val="tx1"/>
+                </a:solidFill>
+                <a:effectLst/>
+                <a:latin typeface="Arial" panose="020B0604020202020204" pitchFamily="34" charset="0"/>
+              </a:rPr>
+              <a:t>• ansvar for CYBs økonomi</a:t>
+            </a:r>
+            <a:br>
+              <a:rPr kumimoji="0" lang="nb-NO" altLang="nb-NO" sz="1100" b="0" i="0" u="none" strike="noStrike" cap="none" normalizeH="0" baseline="0">
+                <a:ln>
+                  <a:noFill/>
+                </a:ln>
+                <a:solidFill>
+                  <a:schemeClr val="tx1"/>
+                </a:solidFill>
+                <a:effectLst/>
+                <a:latin typeface="Arial" panose="020B0604020202020204" pitchFamily="34" charset="0"/>
+              </a:rPr>
+            </a:br>
+            <a:r>
+              <a:rPr kumimoji="0" lang="nb-NO" altLang="nb-NO" sz="1100" b="0" i="0" u="none" strike="noStrike" cap="none" normalizeH="0" baseline="0">
+                <a:ln>
+                  <a:noFill/>
+                </a:ln>
+                <a:solidFill>
+                  <a:schemeClr val="tx1"/>
+                </a:solidFill>
+                <a:effectLst/>
+                <a:latin typeface="Arial" panose="020B0604020202020204" pitchFamily="34" charset="0"/>
+              </a:rPr>
+              <a:t>• ansvar for budsjettering, økonomistyring, regnskap, samt avgifter</a:t>
+            </a:r>
+            <a:br>
+              <a:rPr kumimoji="0" lang="nb-NO" altLang="nb-NO" sz="1100" b="0" i="0" u="none" strike="noStrike" cap="none" normalizeH="0" baseline="0">
+                <a:ln>
+                  <a:noFill/>
+                </a:ln>
+                <a:solidFill>
+                  <a:schemeClr val="tx1"/>
+                </a:solidFill>
+                <a:effectLst/>
+                <a:latin typeface="Arial" panose="020B0604020202020204" pitchFamily="34" charset="0"/>
+              </a:rPr>
+            </a:br>
+            <a:r>
+              <a:rPr kumimoji="0" lang="nb-NO" altLang="nb-NO" sz="1100" b="0" i="0" u="none" strike="noStrike" cap="none" normalizeH="0" baseline="0">
+                <a:ln>
+                  <a:noFill/>
+                </a:ln>
+                <a:solidFill>
+                  <a:schemeClr val="tx1"/>
+                </a:solidFill>
+                <a:effectLst/>
+                <a:latin typeface="Arial" panose="020B0604020202020204" pitchFamily="34" charset="0"/>
+              </a:rPr>
+              <a:t>• leder av økonomigruppa</a:t>
+            </a:r>
+          </a:p>
+          <a:p>
+            <a:pPr marL="0" marR="0" lvl="0" indent="0" algn="l" defTabSz="914400" rtl="0" eaLnBrk="0" fontAlgn="base" latinLnBrk="0" hangingPunct="0">
+              <a:lnSpc>
+                <a:spcPct val="100000"/>
+              </a:lnSpc>
+              <a:spcBef>
+                <a:spcPct val="0"/>
+              </a:spcBef>
+              <a:spcAft>
+                <a:spcPct val="0"/>
+              </a:spcAft>
+              <a:buClrTx/>
+              <a:buSzTx/>
+              <a:buFontTx/>
+              <a:buNone/>
+              <a:tabLst/>
+            </a:pPr>
+            <a:endParaRPr kumimoji="0" lang="nb-NO" altLang="nb-NO" sz="1800" b="0" i="0" u="none" strike="noStrike" cap="none" normalizeH="0" baseline="0">
+              <a:ln>
+                <a:noFill/>
+              </a:ln>
+              <a:solidFill>
+                <a:schemeClr val="tx1"/>
+              </a:solidFill>
+              <a:effectLst/>
+              <a:latin typeface="Arial" panose="020B0604020202020204" pitchFamily="34" charset="0"/>
+            </a:endParaRPr>
+          </a:p>
+        </p:txBody>
+      </p:sp>
+      <p:sp>
+        <p:nvSpPr>
+          <p:cNvPr id="7" name="Rectangle 4">
+            <a:extLst>
+              <a:ext uri="{FF2B5EF4-FFF2-40B4-BE49-F238E27FC236}">
+                <a16:creationId xmlns:a16="http://schemas.microsoft.com/office/drawing/2014/main" id="{FC8FD707-6B9F-59CF-7EF5-BD04E71F3A79}"/>
+              </a:ext>
+            </a:extLst>
+          </p:cNvPr>
+          <p:cNvSpPr>
+            <a:spLocks noChangeArrowheads="1"/>
+          </p:cNvSpPr>
+          <p:nvPr/>
+        </p:nvSpPr>
+        <p:spPr bwMode="auto">
+          <a:xfrm>
+            <a:off x="152400" y="2147483647"/>
+            <a:ext cx="0" cy="0"/>
+          </a:xfrm>
+          <a:prstGeom prst="rect">
+            <a:avLst/>
+          </a:prstGeom>
+          <a:noFill/>
+          <a:ln>
+            <a:noFill/>
+          </a:ln>
+          <a:effectLst/>
+          <a:extLst>
+            <a:ext uri="{909E8E84-426E-40DD-AFC4-6F175D3DCCD1}">
+              <a14:hiddenFill xmlns:a14="http://schemas.microsoft.com/office/drawing/2010/main">
+                <a:solidFill>
+                  <a:schemeClr val="accent1"/>
+                </a:solidFill>
+              </a14:hiddenFill>
+            </a:ext>
+            <a:ext uri="{91240B29-F687-4F45-9708-019B960494DF}">
+              <a14:hiddenLine xmlns:a14="http://schemas.microsoft.com/office/drawing/2010/main" w="9525">
+                <a:solidFill>
+                  <a:schemeClr val="tx1"/>
+                </a:solidFill>
+                <a:miter lim="800000"/>
+                <a:headEnd/>
+                <a:tailEnd/>
+              </a14:hiddenLine>
+            </a:ext>
+            <a:ext uri="{AF507438-7753-43E0-B8FC-AC1667EBCBE1}">
+              <a14:hiddenEffects xmlns:a14="http://schemas.microsoft.com/office/drawing/2010/main">
+                <a:effectLst>
+                  <a:outerShdw dist="35921" dir="2700000" algn="ctr" rotWithShape="0">
+                    <a:schemeClr val="bg2"/>
+                  </a:outerShdw>
+                </a:effectLst>
+              </a14:hiddenEffects>
+            </a:ext>
+          </a:extLst>
+        </p:spPr>
+        <p:txBody>
+          <a:bodyPr vert="horz" wrap="none" lIns="91440" tIns="45720" rIns="91440" bIns="45720" numCol="1" anchor="ctr" anchorCtr="0" compatLnSpc="1">
+            <a:prstTxWarp prst="textNoShape">
+              <a:avLst/>
+            </a:prstTxWarp>
+            <a:spAutoFit/>
+          </a:bodyPr>
+          <a:lstStyle/>
+          <a:p>
+            <a:pPr marL="0" marR="0" lvl="0" indent="0" algn="l" defTabSz="914400" rtl="0" eaLnBrk="0" fontAlgn="base" latinLnBrk="0" hangingPunct="0">
+              <a:lnSpc>
+                <a:spcPct val="100000"/>
+              </a:lnSpc>
+              <a:spcBef>
+                <a:spcPct val="0"/>
+              </a:spcBef>
+              <a:spcAft>
+                <a:spcPct val="0"/>
+              </a:spcAft>
+              <a:buClrTx/>
+              <a:buSzTx/>
+              <a:buFontTx/>
+              <a:buNone/>
+              <a:tabLst/>
+            </a:pPr>
+            <a:br>
+              <a:rPr kumimoji="0" lang="nb-NO" altLang="nb-NO" sz="600" b="0" i="0" u="none" strike="noStrike" cap="none" normalizeH="0" baseline="0">
+                <a:ln>
+                  <a:noFill/>
+                </a:ln>
+                <a:solidFill>
+                  <a:schemeClr val="tx1"/>
+                </a:solidFill>
+                <a:effectLst/>
+                <a:latin typeface="Slack-Lato"/>
+              </a:rPr>
+            </a:br>
+            <a:endParaRPr kumimoji="0" lang="nb-NO" altLang="nb-NO" sz="1800" b="0" i="0" u="none" strike="noStrike" cap="none" normalizeH="0" baseline="0">
+              <a:ln>
+                <a:noFill/>
+              </a:ln>
+              <a:solidFill>
+                <a:schemeClr val="tx1"/>
+              </a:solidFill>
+              <a:effectLst/>
+              <a:latin typeface="Arial" panose="020B0604020202020204" pitchFamily="34" charset="0"/>
+            </a:endParaRPr>
           </a:p>
         </p:txBody>
       </p:sp>
